--- a/Project_3조_230423최종_최종_최종.pptx
+++ b/Project_3조_230423최종_최종_최종.pptx
@@ -5,7 +5,7 @@
     <p:sldMasterId id="2147483648" r:id="rId1"/>
   </p:sldMasterIdLst>
   <p:notesMasterIdLst>
-    <p:notesMasterId r:id="rId24"/>
+    <p:notesMasterId r:id="rId25"/>
   </p:notesMasterIdLst>
   <p:sldIdLst>
     <p:sldId id="256" r:id="rId2"/>
@@ -16,20 +16,21 @@
     <p:sldId id="301" r:id="rId7"/>
     <p:sldId id="303" r:id="rId8"/>
     <p:sldId id="304" r:id="rId9"/>
-    <p:sldId id="288" r:id="rId10"/>
-    <p:sldId id="289" r:id="rId11"/>
-    <p:sldId id="305" r:id="rId12"/>
-    <p:sldId id="306" r:id="rId13"/>
-    <p:sldId id="307" r:id="rId14"/>
-    <p:sldId id="278" r:id="rId15"/>
-    <p:sldId id="299" r:id="rId16"/>
-    <p:sldId id="308" r:id="rId17"/>
-    <p:sldId id="294" r:id="rId18"/>
-    <p:sldId id="280" r:id="rId19"/>
-    <p:sldId id="295" r:id="rId20"/>
-    <p:sldId id="282" r:id="rId21"/>
-    <p:sldId id="300" r:id="rId22"/>
-    <p:sldId id="262" r:id="rId23"/>
+    <p:sldId id="309" r:id="rId10"/>
+    <p:sldId id="288" r:id="rId11"/>
+    <p:sldId id="289" r:id="rId12"/>
+    <p:sldId id="305" r:id="rId13"/>
+    <p:sldId id="306" r:id="rId14"/>
+    <p:sldId id="307" r:id="rId15"/>
+    <p:sldId id="278" r:id="rId16"/>
+    <p:sldId id="299" r:id="rId17"/>
+    <p:sldId id="308" r:id="rId18"/>
+    <p:sldId id="294" r:id="rId19"/>
+    <p:sldId id="280" r:id="rId20"/>
+    <p:sldId id="295" r:id="rId21"/>
+    <p:sldId id="282" r:id="rId22"/>
+    <p:sldId id="300" r:id="rId23"/>
+    <p:sldId id="262" r:id="rId24"/>
   </p:sldIdLst>
   <p:sldSz cx="9906000" cy="6858000" type="A4"/>
   <p:notesSz cx="6858000" cy="9144000"/>
@@ -4386,6 +4387,549 @@
 </file>
 
 <file path=ppt/slides/slide10.xml><?xml version="1.0" encoding="utf-8"?>
+<p:sld xmlns:a="http://schemas.openxmlformats.org/drawingml/2006/main" xmlns:r="http://schemas.openxmlformats.org/officeDocument/2006/relationships" xmlns:p="http://schemas.openxmlformats.org/presentationml/2006/main">
+  <p:cSld>
+    <p:spTree>
+      <p:nvGrpSpPr>
+        <p:cNvPr id="1" name=""/>
+        <p:cNvGrpSpPr/>
+        <p:nvPr/>
+      </p:nvGrpSpPr>
+      <p:grpSpPr>
+        <a:xfrm>
+          <a:off x="0" y="0"/>
+          <a:ext cx="0" cy="0"/>
+          <a:chOff x="0" y="0"/>
+          <a:chExt cx="0" cy="0"/>
+        </a:xfrm>
+      </p:grpSpPr>
+      <p:sp>
+        <p:nvSpPr>
+          <p:cNvPr id="9" name="평행 사변형 8"/>
+          <p:cNvSpPr/>
+          <p:nvPr/>
+        </p:nvSpPr>
+        <p:spPr>
+          <a:xfrm flipH="1">
+            <a:off x="595282" y="785794"/>
+            <a:ext cx="2214578" cy="357190"/>
+          </a:xfrm>
+          <a:prstGeom prst="parallelogram">
+            <a:avLst/>
+          </a:prstGeom>
+          <a:solidFill>
+            <a:schemeClr val="accent3">
+              <a:lumMod val="75000"/>
+            </a:schemeClr>
+          </a:solidFill>
+          <a:ln>
+            <a:noFill/>
+          </a:ln>
+        </p:spPr>
+        <p:style>
+          <a:lnRef idx="2">
+            <a:schemeClr val="accent1">
+              <a:shade val="50000"/>
+            </a:schemeClr>
+          </a:lnRef>
+          <a:fillRef idx="1">
+            <a:schemeClr val="accent1"/>
+          </a:fillRef>
+          <a:effectRef idx="0">
+            <a:schemeClr val="accent1"/>
+          </a:effectRef>
+          <a:fontRef idx="minor">
+            <a:schemeClr val="lt1"/>
+          </a:fontRef>
+        </p:style>
+        <p:txBody>
+          <a:bodyPr rtlCol="0" anchor="ctr"/>
+          <a:lstStyle/>
+          <a:p>
+            <a:pPr algn="ctr"/>
+            <a:r>
+              <a:rPr lang="ko-KR" altLang="en-US" sz="1600" b="1" dirty="0">
+                <a:latin typeface="나눔고딕" pitchFamily="50" charset="-127"/>
+                <a:ea typeface="나눔고딕" pitchFamily="50" charset="-127"/>
+              </a:rPr>
+              <a:t>독립</a:t>
+            </a:r>
+            <a:r>
+              <a:rPr lang="en-US" altLang="ko-KR" sz="1600" b="1" dirty="0">
+                <a:latin typeface="나눔고딕" pitchFamily="50" charset="-127"/>
+                <a:ea typeface="나눔고딕" pitchFamily="50" charset="-127"/>
+              </a:rPr>
+              <a:t> </a:t>
+            </a:r>
+            <a:r>
+              <a:rPr lang="ko-KR" altLang="en-US" sz="1600" b="1" dirty="0">
+                <a:latin typeface="나눔고딕" pitchFamily="50" charset="-127"/>
+                <a:ea typeface="나눔고딕" pitchFamily="50" charset="-127"/>
+              </a:rPr>
+              <a:t>변수 분석</a:t>
+            </a:r>
+          </a:p>
+        </p:txBody>
+      </p:sp>
+      <p:pic>
+        <p:nvPicPr>
+          <p:cNvPr id="12" name="그림 11">
+            <a:extLst>
+              <a:ext uri="{FF2B5EF4-FFF2-40B4-BE49-F238E27FC236}">
+                <a16:creationId xmlns:a16="http://schemas.microsoft.com/office/drawing/2014/main" id="{FC80B8A9-5388-11DA-E39B-B02CE994BC16}"/>
+              </a:ext>
+            </a:extLst>
+          </p:cNvPr>
+          <p:cNvPicPr>
+            <a:picLocks noChangeAspect="1"/>
+          </p:cNvPicPr>
+          <p:nvPr/>
+        </p:nvPicPr>
+        <p:blipFill>
+          <a:blip r:embed="rId2"/>
+          <a:stretch>
+            <a:fillRect/>
+          </a:stretch>
+        </p:blipFill>
+        <p:spPr>
+          <a:xfrm>
+            <a:off x="578375" y="1317173"/>
+            <a:ext cx="8660905" cy="4969347"/>
+          </a:xfrm>
+          <a:prstGeom prst="rect">
+            <a:avLst/>
+          </a:prstGeom>
+        </p:spPr>
+      </p:pic>
+      <p:sp>
+        <p:nvSpPr>
+          <p:cNvPr id="15" name="직사각형 14">
+            <a:extLst>
+              <a:ext uri="{FF2B5EF4-FFF2-40B4-BE49-F238E27FC236}">
+                <a16:creationId xmlns:a16="http://schemas.microsoft.com/office/drawing/2014/main" id="{58E59306-8475-69F8-3FF4-B62D3AFC52EC}"/>
+              </a:ext>
+            </a:extLst>
+          </p:cNvPr>
+          <p:cNvSpPr/>
+          <p:nvPr/>
+        </p:nvSpPr>
+        <p:spPr>
+          <a:xfrm>
+            <a:off x="3264343" y="2894009"/>
+            <a:ext cx="1632700" cy="900000"/>
+          </a:xfrm>
+          <a:prstGeom prst="rect">
+            <a:avLst/>
+          </a:prstGeom>
+          <a:noFill/>
+          <a:ln w="28575" cap="flat" cmpd="sng" algn="ctr">
+            <a:solidFill>
+              <a:srgbClr val="FF0000"/>
+            </a:solidFill>
+            <a:prstDash val="solid"/>
+            <a:round/>
+            <a:headEnd type="none" w="med" len="med"/>
+            <a:tailEnd type="none" w="med" len="med"/>
+          </a:ln>
+        </p:spPr>
+        <p:style>
+          <a:lnRef idx="0">
+            <a:scrgbClr r="0" g="0" b="0"/>
+          </a:lnRef>
+          <a:fillRef idx="0">
+            <a:scrgbClr r="0" g="0" b="0"/>
+          </a:fillRef>
+          <a:effectRef idx="0">
+            <a:scrgbClr r="0" g="0" b="0"/>
+          </a:effectRef>
+          <a:fontRef idx="minor">
+            <a:schemeClr val="accent2"/>
+          </a:fontRef>
+        </p:style>
+        <p:txBody>
+          <a:bodyPr rtlCol="0" anchor="ctr"/>
+          <a:lstStyle/>
+          <a:p>
+            <a:pPr marL="0" marR="0" lvl="0" indent="0" algn="ctr" defTabSz="914400" rtl="0" eaLnBrk="1" fontAlgn="auto" latinLnBrk="1" hangingPunct="1">
+              <a:lnSpc>
+                <a:spcPct val="100000"/>
+              </a:lnSpc>
+              <a:spcBef>
+                <a:spcPts val="0"/>
+              </a:spcBef>
+              <a:spcAft>
+                <a:spcPts val="0"/>
+              </a:spcAft>
+              <a:buClrTx/>
+              <a:buSzTx/>
+              <a:buFontTx/>
+              <a:buNone/>
+              <a:tabLst/>
+              <a:defRPr/>
+            </a:pPr>
+            <a:endParaRPr kumimoji="0" lang="ko-KR" altLang="en-US" sz="1800" b="0" i="0" u="none" strike="noStrike" kern="1200" cap="none" spc="0" normalizeH="0" baseline="0" noProof="0">
+              <a:ln>
+                <a:noFill/>
+              </a:ln>
+              <a:solidFill>
+                <a:srgbClr val="C0504D"/>
+              </a:solidFill>
+              <a:effectLst/>
+              <a:uLnTx/>
+              <a:uFillTx/>
+              <a:latin typeface="나눔고딕" panose="020D0604000000000000" pitchFamily="50" charset="-127"/>
+              <a:ea typeface="나눔고딕" panose="020D0604000000000000" pitchFamily="50" charset="-127"/>
+              <a:cs typeface="+mn-cs"/>
+            </a:endParaRPr>
+          </a:p>
+        </p:txBody>
+      </p:sp>
+      <p:sp>
+        <p:nvSpPr>
+          <p:cNvPr id="18" name="직사각형 17">
+            <a:extLst>
+              <a:ext uri="{FF2B5EF4-FFF2-40B4-BE49-F238E27FC236}">
+                <a16:creationId xmlns:a16="http://schemas.microsoft.com/office/drawing/2014/main" id="{2D0D34DF-F47C-4883-68E5-0C839543AEBA}"/>
+              </a:ext>
+            </a:extLst>
+          </p:cNvPr>
+          <p:cNvSpPr/>
+          <p:nvPr/>
+        </p:nvSpPr>
+        <p:spPr>
+          <a:xfrm>
+            <a:off x="8234474" y="5166143"/>
+            <a:ext cx="792088" cy="432048"/>
+          </a:xfrm>
+          <a:prstGeom prst="rect">
+            <a:avLst/>
+          </a:prstGeom>
+          <a:noFill/>
+          <a:ln w="28575" cap="flat" cmpd="sng" algn="ctr">
+            <a:solidFill>
+              <a:srgbClr val="FF0000"/>
+            </a:solidFill>
+            <a:prstDash val="solid"/>
+            <a:round/>
+            <a:headEnd type="none" w="med" len="med"/>
+            <a:tailEnd type="none" w="med" len="med"/>
+          </a:ln>
+        </p:spPr>
+        <p:style>
+          <a:lnRef idx="0">
+            <a:scrgbClr r="0" g="0" b="0"/>
+          </a:lnRef>
+          <a:fillRef idx="0">
+            <a:scrgbClr r="0" g="0" b="0"/>
+          </a:fillRef>
+          <a:effectRef idx="0">
+            <a:scrgbClr r="0" g="0" b="0"/>
+          </a:effectRef>
+          <a:fontRef idx="minor">
+            <a:schemeClr val="accent2"/>
+          </a:fontRef>
+        </p:style>
+        <p:txBody>
+          <a:bodyPr rtlCol="0" anchor="ctr"/>
+          <a:lstStyle/>
+          <a:p>
+            <a:pPr marL="0" marR="0" lvl="0" indent="0" algn="ctr" defTabSz="914400" rtl="0" eaLnBrk="1" fontAlgn="auto" latinLnBrk="1" hangingPunct="1">
+              <a:lnSpc>
+                <a:spcPct val="100000"/>
+              </a:lnSpc>
+              <a:spcBef>
+                <a:spcPts val="0"/>
+              </a:spcBef>
+              <a:spcAft>
+                <a:spcPts val="0"/>
+              </a:spcAft>
+              <a:buClrTx/>
+              <a:buSzTx/>
+              <a:buFontTx/>
+              <a:buNone/>
+              <a:tabLst/>
+              <a:defRPr/>
+            </a:pPr>
+            <a:endParaRPr kumimoji="0" lang="ko-KR" altLang="en-US" sz="1800" b="0" i="0" u="none" strike="noStrike" kern="1200" cap="none" spc="0" normalizeH="0" baseline="0" noProof="0">
+              <a:ln>
+                <a:noFill/>
+              </a:ln>
+              <a:solidFill>
+                <a:srgbClr val="C0504D"/>
+              </a:solidFill>
+              <a:effectLst/>
+              <a:uLnTx/>
+              <a:uFillTx/>
+              <a:latin typeface="나눔고딕" panose="020D0604000000000000" pitchFamily="50" charset="-127"/>
+              <a:ea typeface="나눔고딕" panose="020D0604000000000000" pitchFamily="50" charset="-127"/>
+              <a:cs typeface="+mn-cs"/>
+            </a:endParaRPr>
+          </a:p>
+        </p:txBody>
+      </p:sp>
+      <p:sp>
+        <p:nvSpPr>
+          <p:cNvPr id="19" name="직사각형 18">
+            <a:extLst>
+              <a:ext uri="{FF2B5EF4-FFF2-40B4-BE49-F238E27FC236}">
+                <a16:creationId xmlns:a16="http://schemas.microsoft.com/office/drawing/2014/main" id="{A79917C8-8737-38F7-F1FD-0B9DC14073DA}"/>
+              </a:ext>
+            </a:extLst>
+          </p:cNvPr>
+          <p:cNvSpPr/>
+          <p:nvPr/>
+        </p:nvSpPr>
+        <p:spPr>
+          <a:xfrm>
+            <a:off x="7395778" y="5616994"/>
+            <a:ext cx="792088" cy="432048"/>
+          </a:xfrm>
+          <a:prstGeom prst="rect">
+            <a:avLst/>
+          </a:prstGeom>
+          <a:noFill/>
+          <a:ln w="28575" cap="flat" cmpd="sng" algn="ctr">
+            <a:solidFill>
+              <a:srgbClr val="FF0000"/>
+            </a:solidFill>
+            <a:prstDash val="solid"/>
+            <a:round/>
+            <a:headEnd type="none" w="med" len="med"/>
+            <a:tailEnd type="none" w="med" len="med"/>
+          </a:ln>
+        </p:spPr>
+        <p:style>
+          <a:lnRef idx="0">
+            <a:scrgbClr r="0" g="0" b="0"/>
+          </a:lnRef>
+          <a:fillRef idx="0">
+            <a:scrgbClr r="0" g="0" b="0"/>
+          </a:fillRef>
+          <a:effectRef idx="0">
+            <a:scrgbClr r="0" g="0" b="0"/>
+          </a:effectRef>
+          <a:fontRef idx="minor">
+            <a:schemeClr val="accent2"/>
+          </a:fontRef>
+        </p:style>
+        <p:txBody>
+          <a:bodyPr rtlCol="0" anchor="ctr"/>
+          <a:lstStyle/>
+          <a:p>
+            <a:pPr marL="0" marR="0" lvl="0" indent="0" algn="ctr" defTabSz="914400" rtl="0" eaLnBrk="1" fontAlgn="auto" latinLnBrk="1" hangingPunct="1">
+              <a:lnSpc>
+                <a:spcPct val="100000"/>
+              </a:lnSpc>
+              <a:spcBef>
+                <a:spcPts val="0"/>
+              </a:spcBef>
+              <a:spcAft>
+                <a:spcPts val="0"/>
+              </a:spcAft>
+              <a:buClrTx/>
+              <a:buSzTx/>
+              <a:buFontTx/>
+              <a:buNone/>
+              <a:tabLst/>
+              <a:defRPr/>
+            </a:pPr>
+            <a:endParaRPr kumimoji="0" lang="ko-KR" altLang="en-US" sz="1800" b="0" i="0" u="none" strike="noStrike" kern="1200" cap="none" spc="0" normalizeH="0" baseline="0" noProof="0">
+              <a:ln>
+                <a:noFill/>
+              </a:ln>
+              <a:solidFill>
+                <a:srgbClr val="C0504D"/>
+              </a:solidFill>
+              <a:effectLst/>
+              <a:uLnTx/>
+              <a:uFillTx/>
+              <a:latin typeface="나눔고딕" panose="020D0604000000000000" pitchFamily="50" charset="-127"/>
+              <a:ea typeface="나눔고딕" panose="020D0604000000000000" pitchFamily="50" charset="-127"/>
+              <a:cs typeface="+mn-cs"/>
+            </a:endParaRPr>
+          </a:p>
+        </p:txBody>
+      </p:sp>
+      <p:sp>
+        <p:nvSpPr>
+          <p:cNvPr id="20" name="직사각형 19">
+            <a:extLst>
+              <a:ext uri="{FF2B5EF4-FFF2-40B4-BE49-F238E27FC236}">
+                <a16:creationId xmlns:a16="http://schemas.microsoft.com/office/drawing/2014/main" id="{F9D6DFF1-561D-6338-9883-B37B1E31E21E}"/>
+              </a:ext>
+            </a:extLst>
+          </p:cNvPr>
+          <p:cNvSpPr/>
+          <p:nvPr/>
+        </p:nvSpPr>
+        <p:spPr>
+          <a:xfrm>
+            <a:off x="793398" y="2909337"/>
+            <a:ext cx="809990" cy="855552"/>
+          </a:xfrm>
+          <a:prstGeom prst="rect">
+            <a:avLst/>
+          </a:prstGeom>
+          <a:noFill/>
+          <a:ln w="28575" cap="flat" cmpd="sng" algn="ctr">
+            <a:solidFill>
+              <a:srgbClr val="FF0000"/>
+            </a:solidFill>
+            <a:prstDash val="solid"/>
+            <a:round/>
+            <a:headEnd type="none" w="med" len="med"/>
+            <a:tailEnd type="none" w="med" len="med"/>
+          </a:ln>
+        </p:spPr>
+        <p:style>
+          <a:lnRef idx="0">
+            <a:scrgbClr r="0" g="0" b="0"/>
+          </a:lnRef>
+          <a:fillRef idx="0">
+            <a:scrgbClr r="0" g="0" b="0"/>
+          </a:fillRef>
+          <a:effectRef idx="0">
+            <a:scrgbClr r="0" g="0" b="0"/>
+          </a:effectRef>
+          <a:fontRef idx="minor">
+            <a:schemeClr val="accent2"/>
+          </a:fontRef>
+        </p:style>
+        <p:txBody>
+          <a:bodyPr rtlCol="0" anchor="ctr"/>
+          <a:lstStyle/>
+          <a:p>
+            <a:pPr marL="0" marR="0" lvl="0" indent="0" algn="ctr" defTabSz="914400" rtl="0" eaLnBrk="1" fontAlgn="auto" latinLnBrk="1" hangingPunct="1">
+              <a:lnSpc>
+                <a:spcPct val="100000"/>
+              </a:lnSpc>
+              <a:spcBef>
+                <a:spcPts val="0"/>
+              </a:spcBef>
+              <a:spcAft>
+                <a:spcPts val="0"/>
+              </a:spcAft>
+              <a:buClrTx/>
+              <a:buSzTx/>
+              <a:buFontTx/>
+              <a:buNone/>
+              <a:tabLst/>
+              <a:defRPr/>
+            </a:pPr>
+            <a:endParaRPr kumimoji="0" lang="ko-KR" altLang="en-US" sz="1800" b="0" i="0" u="none" strike="noStrike" kern="1200" cap="none" spc="0" normalizeH="0" baseline="0" noProof="0">
+              <a:ln>
+                <a:noFill/>
+              </a:ln>
+              <a:solidFill>
+                <a:srgbClr val="C0504D"/>
+              </a:solidFill>
+              <a:effectLst/>
+              <a:uLnTx/>
+              <a:uFillTx/>
+              <a:latin typeface="나눔고딕" panose="020D0604000000000000" pitchFamily="50" charset="-127"/>
+              <a:ea typeface="나눔고딕" panose="020D0604000000000000" pitchFamily="50" charset="-127"/>
+              <a:cs typeface="+mn-cs"/>
+            </a:endParaRPr>
+          </a:p>
+        </p:txBody>
+      </p:sp>
+      <p:sp>
+        <p:nvSpPr>
+          <p:cNvPr id="21" name="직사각형 20">
+            <a:extLst>
+              <a:ext uri="{FF2B5EF4-FFF2-40B4-BE49-F238E27FC236}">
+                <a16:creationId xmlns:a16="http://schemas.microsoft.com/office/drawing/2014/main" id="{72E459A7-B863-802D-6800-CB27664171C0}"/>
+              </a:ext>
+            </a:extLst>
+          </p:cNvPr>
+          <p:cNvSpPr/>
+          <p:nvPr/>
+        </p:nvSpPr>
+        <p:spPr>
+          <a:xfrm>
+            <a:off x="3270703" y="1547029"/>
+            <a:ext cx="1619990" cy="431712"/>
+          </a:xfrm>
+          <a:prstGeom prst="rect">
+            <a:avLst/>
+          </a:prstGeom>
+          <a:noFill/>
+          <a:ln w="28575" cap="flat" cmpd="sng" algn="ctr">
+            <a:solidFill>
+              <a:srgbClr val="FF0000"/>
+            </a:solidFill>
+            <a:prstDash val="solid"/>
+            <a:round/>
+            <a:headEnd type="none" w="med" len="med"/>
+            <a:tailEnd type="none" w="med" len="med"/>
+          </a:ln>
+        </p:spPr>
+        <p:style>
+          <a:lnRef idx="0">
+            <a:scrgbClr r="0" g="0" b="0"/>
+          </a:lnRef>
+          <a:fillRef idx="0">
+            <a:scrgbClr r="0" g="0" b="0"/>
+          </a:fillRef>
+          <a:effectRef idx="0">
+            <a:scrgbClr r="0" g="0" b="0"/>
+          </a:effectRef>
+          <a:fontRef idx="minor">
+            <a:schemeClr val="accent2"/>
+          </a:fontRef>
+        </p:style>
+        <p:txBody>
+          <a:bodyPr rtlCol="0" anchor="ctr"/>
+          <a:lstStyle/>
+          <a:p>
+            <a:pPr marL="0" marR="0" lvl="0" indent="0" algn="ctr" defTabSz="914400" rtl="0" eaLnBrk="1" fontAlgn="auto" latinLnBrk="1" hangingPunct="1">
+              <a:lnSpc>
+                <a:spcPct val="100000"/>
+              </a:lnSpc>
+              <a:spcBef>
+                <a:spcPts val="0"/>
+              </a:spcBef>
+              <a:spcAft>
+                <a:spcPts val="0"/>
+              </a:spcAft>
+              <a:buClrTx/>
+              <a:buSzTx/>
+              <a:buFontTx/>
+              <a:buNone/>
+              <a:tabLst/>
+              <a:defRPr/>
+            </a:pPr>
+            <a:endParaRPr kumimoji="0" lang="ko-KR" altLang="en-US" sz="1800" b="0" i="0" u="none" strike="noStrike" kern="1200" cap="none" spc="0" normalizeH="0" baseline="0" noProof="0">
+              <a:ln>
+                <a:noFill/>
+              </a:ln>
+              <a:solidFill>
+                <a:srgbClr val="C0504D"/>
+              </a:solidFill>
+              <a:effectLst/>
+              <a:uLnTx/>
+              <a:uFillTx/>
+              <a:latin typeface="나눔고딕" panose="020D0604000000000000" pitchFamily="50" charset="-127"/>
+              <a:ea typeface="나눔고딕" panose="020D0604000000000000" pitchFamily="50" charset="-127"/>
+              <a:cs typeface="+mn-cs"/>
+            </a:endParaRPr>
+          </a:p>
+        </p:txBody>
+      </p:sp>
+    </p:spTree>
+    <p:extLst>
+      <p:ext uri="{BB962C8B-B14F-4D97-AF65-F5344CB8AC3E}">
+        <p14:creationId xmlns:p14="http://schemas.microsoft.com/office/powerpoint/2010/main" val="530032864"/>
+      </p:ext>
+    </p:extLst>
+  </p:cSld>
+  <p:clrMapOvr>
+    <a:masterClrMapping/>
+  </p:clrMapOvr>
+</p:sld>
+</file>
+
+<file path=ppt/slides/slide11.xml><?xml version="1.0" encoding="utf-8"?>
 <p:sld xmlns:a="http://schemas.openxmlformats.org/drawingml/2006/main" xmlns:r="http://schemas.openxmlformats.org/officeDocument/2006/relationships" xmlns:p="http://schemas.openxmlformats.org/presentationml/2006/main">
   <p:cSld>
     <p:spTree>
@@ -5836,7 +6380,7 @@
 </p:sld>
 </file>
 
-<file path=ppt/slides/slide11.xml><?xml version="1.0" encoding="utf-8"?>
+<file path=ppt/slides/slide12.xml><?xml version="1.0" encoding="utf-8"?>
 <p:sld xmlns:a="http://schemas.openxmlformats.org/drawingml/2006/main" xmlns:r="http://schemas.openxmlformats.org/officeDocument/2006/relationships" xmlns:p="http://schemas.openxmlformats.org/presentationml/2006/main">
   <p:cSld>
     <p:spTree>
@@ -8384,7 +8928,7 @@
 </p:sld>
 </file>
 
-<file path=ppt/slides/slide12.xml><?xml version="1.0" encoding="utf-8"?>
+<file path=ppt/slides/slide13.xml><?xml version="1.0" encoding="utf-8"?>
 <p:sld xmlns:a="http://schemas.openxmlformats.org/drawingml/2006/main" xmlns:r="http://schemas.openxmlformats.org/officeDocument/2006/relationships" xmlns:p="http://schemas.openxmlformats.org/presentationml/2006/main">
   <p:cSld>
     <p:spTree>
@@ -9335,7 +9879,7 @@
 </p:sld>
 </file>
 
-<file path=ppt/slides/slide13.xml><?xml version="1.0" encoding="utf-8"?>
+<file path=ppt/slides/slide14.xml><?xml version="1.0" encoding="utf-8"?>
 <p:sld xmlns:a="http://schemas.openxmlformats.org/drawingml/2006/main" xmlns:r="http://schemas.openxmlformats.org/officeDocument/2006/relationships" xmlns:p="http://schemas.openxmlformats.org/presentationml/2006/main">
   <p:cSld>
     <p:spTree>
@@ -9623,7 +10167,7 @@
 </p:sld>
 </file>
 
-<file path=ppt/slides/slide14.xml><?xml version="1.0" encoding="utf-8"?>
+<file path=ppt/slides/slide15.xml><?xml version="1.0" encoding="utf-8"?>
 <p:sld xmlns:a="http://schemas.openxmlformats.org/drawingml/2006/main" xmlns:r="http://schemas.openxmlformats.org/officeDocument/2006/relationships" xmlns:p="http://schemas.openxmlformats.org/presentationml/2006/main">
   <p:cSld>
     <p:spTree>
@@ -10567,7 +11111,7 @@
 </p:sld>
 </file>
 
-<file path=ppt/slides/slide15.xml><?xml version="1.0" encoding="utf-8"?>
+<file path=ppt/slides/slide16.xml><?xml version="1.0" encoding="utf-8"?>
 <p:sld xmlns:a="http://schemas.openxmlformats.org/drawingml/2006/main" xmlns:r="http://schemas.openxmlformats.org/officeDocument/2006/relationships" xmlns:p="http://schemas.openxmlformats.org/presentationml/2006/main">
   <p:cSld>
     <p:spTree>
@@ -11986,7 +12530,7 @@
 </p:sld>
 </file>
 
-<file path=ppt/slides/slide16.xml><?xml version="1.0" encoding="utf-8"?>
+<file path=ppt/slides/slide17.xml><?xml version="1.0" encoding="utf-8"?>
 <p:sld xmlns:a="http://schemas.openxmlformats.org/drawingml/2006/main" xmlns:r="http://schemas.openxmlformats.org/officeDocument/2006/relationships" xmlns:p="http://schemas.openxmlformats.org/presentationml/2006/main">
   <p:cSld>
     <p:spTree>
@@ -13038,7 +13582,7 @@
 </p:sld>
 </file>
 
-<file path=ppt/slides/slide17.xml><?xml version="1.0" encoding="utf-8"?>
+<file path=ppt/slides/slide18.xml><?xml version="1.0" encoding="utf-8"?>
 <p:sld xmlns:a="http://schemas.openxmlformats.org/drawingml/2006/main" xmlns:r="http://schemas.openxmlformats.org/officeDocument/2006/relationships" xmlns:p="http://schemas.openxmlformats.org/presentationml/2006/main">
   <p:cSld>
     <p:spTree>
@@ -13843,7 +14387,7 @@
 </p:sld>
 </file>
 
-<file path=ppt/slides/slide18.xml><?xml version="1.0" encoding="utf-8"?>
+<file path=ppt/slides/slide19.xml><?xml version="1.0" encoding="utf-8"?>
 <p:sld xmlns:a="http://schemas.openxmlformats.org/drawingml/2006/main" xmlns:r="http://schemas.openxmlformats.org/officeDocument/2006/relationships" xmlns:p="http://schemas.openxmlformats.org/presentationml/2006/main">
   <p:cSld>
     <p:spTree>
@@ -14371,7 +14915,523 @@
 </p:sld>
 </file>
 
-<file path=ppt/slides/slide19.xml><?xml version="1.0" encoding="utf-8"?>
+<file path=ppt/slides/slide2.xml><?xml version="1.0" encoding="utf-8"?>
+<p:sld xmlns:a="http://schemas.openxmlformats.org/drawingml/2006/main" xmlns:r="http://schemas.openxmlformats.org/officeDocument/2006/relationships" xmlns:p="http://schemas.openxmlformats.org/presentationml/2006/main">
+  <p:cSld>
+    <p:spTree>
+      <p:nvGrpSpPr>
+        <p:cNvPr id="1" name=""/>
+        <p:cNvGrpSpPr/>
+        <p:nvPr/>
+      </p:nvGrpSpPr>
+      <p:grpSpPr>
+        <a:xfrm>
+          <a:off x="0" y="0"/>
+          <a:ext cx="0" cy="0"/>
+          <a:chOff x="0" y="0"/>
+          <a:chExt cx="0" cy="0"/>
+        </a:xfrm>
+      </p:grpSpPr>
+      <p:sp>
+        <p:nvSpPr>
+          <p:cNvPr id="3" name="TextBox 2"/>
+          <p:cNvSpPr txBox="1"/>
+          <p:nvPr/>
+        </p:nvSpPr>
+        <p:spPr>
+          <a:xfrm>
+            <a:off x="4152222" y="1447230"/>
+            <a:ext cx="1515158" cy="830997"/>
+          </a:xfrm>
+          <a:prstGeom prst="rect">
+            <a:avLst/>
+          </a:prstGeom>
+          <a:noFill/>
+        </p:spPr>
+        <p:txBody>
+          <a:bodyPr wrap="none" rtlCol="0">
+            <a:spAutoFit/>
+          </a:bodyPr>
+          <a:lstStyle/>
+          <a:p>
+            <a:pPr algn="just"/>
+            <a:r>
+              <a:rPr lang="ko-KR" altLang="en-US" sz="4800" dirty="0">
+                <a:latin typeface="나눔고딕" pitchFamily="50" charset="-127"/>
+                <a:ea typeface="나눔고딕" pitchFamily="50" charset="-127"/>
+              </a:rPr>
+              <a:t>목 차</a:t>
+            </a:r>
+          </a:p>
+        </p:txBody>
+      </p:sp>
+      <p:sp>
+        <p:nvSpPr>
+          <p:cNvPr id="8" name="TextBox 7"/>
+          <p:cNvSpPr txBox="1"/>
+          <p:nvPr/>
+        </p:nvSpPr>
+        <p:spPr>
+          <a:xfrm>
+            <a:off x="738158" y="2875990"/>
+            <a:ext cx="1669047" cy="369332"/>
+          </a:xfrm>
+          <a:prstGeom prst="rect">
+            <a:avLst/>
+          </a:prstGeom>
+          <a:noFill/>
+        </p:spPr>
+        <p:txBody>
+          <a:bodyPr wrap="none" rtlCol="0">
+            <a:spAutoFit/>
+          </a:bodyPr>
+          <a:lstStyle/>
+          <a:p>
+            <a:pPr algn="just"/>
+            <a:r>
+              <a:rPr lang="en-US" altLang="ko-KR" b="1" dirty="0">
+                <a:latin typeface="나눔고딕" pitchFamily="50" charset="-127"/>
+                <a:ea typeface="나눔고딕" pitchFamily="50" charset="-127"/>
+              </a:rPr>
+              <a:t>1. </a:t>
+            </a:r>
+            <a:r>
+              <a:rPr lang="ko-KR" altLang="en-US" b="1" dirty="0">
+                <a:latin typeface="나눔고딕" pitchFamily="50" charset="-127"/>
+                <a:ea typeface="나눔고딕" pitchFamily="50" charset="-127"/>
+              </a:rPr>
+              <a:t>배경 및 목적</a:t>
+            </a:r>
+          </a:p>
+        </p:txBody>
+      </p:sp>
+      <p:sp>
+        <p:nvSpPr>
+          <p:cNvPr id="9" name="TextBox 8"/>
+          <p:cNvSpPr txBox="1"/>
+          <p:nvPr/>
+        </p:nvSpPr>
+        <p:spPr>
+          <a:xfrm>
+            <a:off x="2841015" y="2875990"/>
+            <a:ext cx="2340705" cy="369332"/>
+          </a:xfrm>
+          <a:prstGeom prst="rect">
+            <a:avLst/>
+          </a:prstGeom>
+          <a:noFill/>
+        </p:spPr>
+        <p:txBody>
+          <a:bodyPr wrap="none" rtlCol="0">
+            <a:spAutoFit/>
+          </a:bodyPr>
+          <a:lstStyle/>
+          <a:p>
+            <a:pPr algn="just"/>
+            <a:r>
+              <a:rPr lang="en-US" altLang="ko-KR" b="1" dirty="0">
+                <a:latin typeface="나눔고딕" pitchFamily="50" charset="-127"/>
+                <a:ea typeface="나눔고딕" pitchFamily="50" charset="-127"/>
+              </a:rPr>
+              <a:t>2. </a:t>
+            </a:r>
+            <a:r>
+              <a:rPr lang="ko-KR" altLang="en-US" b="1" dirty="0">
+                <a:latin typeface="나눔고딕" pitchFamily="50" charset="-127"/>
+                <a:ea typeface="나눔고딕" pitchFamily="50" charset="-127"/>
+              </a:rPr>
+              <a:t>데이터 수집</a:t>
+            </a:r>
+            <a:r>
+              <a:rPr lang="en-US" altLang="ko-KR" b="1" dirty="0">
+                <a:latin typeface="나눔고딕" pitchFamily="50" charset="-127"/>
+                <a:ea typeface="나눔고딕" pitchFamily="50" charset="-127"/>
+              </a:rPr>
+              <a:t>/</a:t>
+            </a:r>
+            <a:r>
+              <a:rPr lang="ko-KR" altLang="en-US" b="1" dirty="0">
+                <a:latin typeface="나눔고딕" pitchFamily="50" charset="-127"/>
+                <a:ea typeface="나눔고딕" pitchFamily="50" charset="-127"/>
+              </a:rPr>
+              <a:t>전처리</a:t>
+            </a:r>
+          </a:p>
+        </p:txBody>
+      </p:sp>
+      <p:sp>
+        <p:nvSpPr>
+          <p:cNvPr id="10" name="TextBox 9"/>
+          <p:cNvSpPr txBox="1"/>
+          <p:nvPr/>
+        </p:nvSpPr>
+        <p:spPr>
+          <a:xfrm>
+            <a:off x="5918797" y="2875990"/>
+            <a:ext cx="891591" cy="369332"/>
+          </a:xfrm>
+          <a:prstGeom prst="rect">
+            <a:avLst/>
+          </a:prstGeom>
+          <a:noFill/>
+        </p:spPr>
+        <p:txBody>
+          <a:bodyPr wrap="none" rtlCol="0">
+            <a:spAutoFit/>
+          </a:bodyPr>
+          <a:lstStyle/>
+          <a:p>
+            <a:pPr algn="just"/>
+            <a:r>
+              <a:rPr lang="en-US" altLang="ko-KR" b="1" dirty="0">
+                <a:latin typeface="나눔고딕" pitchFamily="50" charset="-127"/>
+                <a:ea typeface="나눔고딕" pitchFamily="50" charset="-127"/>
+              </a:rPr>
+              <a:t>3. </a:t>
+            </a:r>
+            <a:r>
+              <a:rPr lang="ko-KR" altLang="en-US" b="1" dirty="0">
+                <a:latin typeface="나눔고딕" pitchFamily="50" charset="-127"/>
+                <a:ea typeface="나눔고딕" pitchFamily="50" charset="-127"/>
+              </a:rPr>
+              <a:t>분석</a:t>
+            </a:r>
+          </a:p>
+        </p:txBody>
+      </p:sp>
+      <p:sp>
+        <p:nvSpPr>
+          <p:cNvPr id="11" name="TextBox 10"/>
+          <p:cNvSpPr txBox="1"/>
+          <p:nvPr/>
+        </p:nvSpPr>
+        <p:spPr>
+          <a:xfrm>
+            <a:off x="7938044" y="2875990"/>
+            <a:ext cx="891591" cy="369332"/>
+          </a:xfrm>
+          <a:prstGeom prst="rect">
+            <a:avLst/>
+          </a:prstGeom>
+          <a:noFill/>
+        </p:spPr>
+        <p:txBody>
+          <a:bodyPr wrap="none" rtlCol="0">
+            <a:spAutoFit/>
+          </a:bodyPr>
+          <a:lstStyle/>
+          <a:p>
+            <a:pPr algn="just"/>
+            <a:r>
+              <a:rPr lang="en-US" altLang="ko-KR" b="1" dirty="0">
+                <a:latin typeface="나눔고딕" pitchFamily="50" charset="-127"/>
+                <a:ea typeface="나눔고딕" pitchFamily="50" charset="-127"/>
+              </a:rPr>
+              <a:t>4. </a:t>
+            </a:r>
+            <a:r>
+              <a:rPr lang="ko-KR" altLang="en-US" b="1" dirty="0">
+                <a:latin typeface="나눔고딕" pitchFamily="50" charset="-127"/>
+                <a:ea typeface="나눔고딕" pitchFamily="50" charset="-127"/>
+              </a:rPr>
+              <a:t>결론</a:t>
+            </a:r>
+          </a:p>
+        </p:txBody>
+      </p:sp>
+      <p:sp>
+        <p:nvSpPr>
+          <p:cNvPr id="12" name="TextBox 11"/>
+          <p:cNvSpPr txBox="1"/>
+          <p:nvPr/>
+        </p:nvSpPr>
+        <p:spPr>
+          <a:xfrm>
+            <a:off x="986298" y="3447494"/>
+            <a:ext cx="1011815" cy="830997"/>
+          </a:xfrm>
+          <a:prstGeom prst="rect">
+            <a:avLst/>
+          </a:prstGeom>
+          <a:noFill/>
+        </p:spPr>
+        <p:txBody>
+          <a:bodyPr wrap="none" rtlCol="0">
+            <a:spAutoFit/>
+          </a:bodyPr>
+          <a:lstStyle/>
+          <a:p>
+            <a:pPr algn="just">
+              <a:lnSpc>
+                <a:spcPct val="150000"/>
+              </a:lnSpc>
+            </a:pPr>
+            <a:r>
+              <a:rPr lang="ko-KR" altLang="en-US" sz="1600" dirty="0">
+                <a:latin typeface="나눔고딕" pitchFamily="50" charset="-127"/>
+                <a:ea typeface="나눔고딕" pitchFamily="50" charset="-127"/>
+              </a:rPr>
+              <a:t>연구 배경</a:t>
+            </a:r>
+            <a:endParaRPr lang="en-US" altLang="ko-KR" sz="1600" dirty="0">
+              <a:latin typeface="나눔고딕" pitchFamily="50" charset="-127"/>
+              <a:ea typeface="나눔고딕" pitchFamily="50" charset="-127"/>
+            </a:endParaRPr>
+          </a:p>
+          <a:p>
+            <a:pPr algn="just">
+              <a:lnSpc>
+                <a:spcPct val="150000"/>
+              </a:lnSpc>
+            </a:pPr>
+            <a:r>
+              <a:rPr lang="ko-KR" altLang="en-US" sz="1600" dirty="0">
+                <a:latin typeface="나눔고딕" pitchFamily="50" charset="-127"/>
+                <a:ea typeface="나눔고딕" pitchFamily="50" charset="-127"/>
+              </a:rPr>
+              <a:t>연구 과제</a:t>
+            </a:r>
+          </a:p>
+        </p:txBody>
+      </p:sp>
+      <p:sp>
+        <p:nvSpPr>
+          <p:cNvPr id="13" name="TextBox 12"/>
+          <p:cNvSpPr txBox="1"/>
+          <p:nvPr/>
+        </p:nvSpPr>
+        <p:spPr>
+          <a:xfrm>
+            <a:off x="3126767" y="3447494"/>
+            <a:ext cx="1396536" cy="830997"/>
+          </a:xfrm>
+          <a:prstGeom prst="rect">
+            <a:avLst/>
+          </a:prstGeom>
+          <a:noFill/>
+        </p:spPr>
+        <p:txBody>
+          <a:bodyPr wrap="none" rtlCol="0">
+            <a:spAutoFit/>
+          </a:bodyPr>
+          <a:lstStyle/>
+          <a:p>
+            <a:pPr algn="just">
+              <a:lnSpc>
+                <a:spcPct val="150000"/>
+              </a:lnSpc>
+            </a:pPr>
+            <a:r>
+              <a:rPr lang="ko-KR" altLang="en-US" sz="1600" dirty="0">
+                <a:latin typeface="나눔고딕" pitchFamily="50" charset="-127"/>
+                <a:ea typeface="나눔고딕" pitchFamily="50" charset="-127"/>
+              </a:rPr>
+              <a:t>데이터 수집</a:t>
+            </a:r>
+            <a:endParaRPr lang="en-US" altLang="ko-KR" sz="1600" dirty="0">
+              <a:latin typeface="나눔고딕" pitchFamily="50" charset="-127"/>
+              <a:ea typeface="나눔고딕" pitchFamily="50" charset="-127"/>
+            </a:endParaRPr>
+          </a:p>
+          <a:p>
+            <a:pPr algn="just">
+              <a:lnSpc>
+                <a:spcPct val="150000"/>
+              </a:lnSpc>
+            </a:pPr>
+            <a:r>
+              <a:rPr lang="ko-KR" altLang="en-US" sz="1600" dirty="0">
+                <a:latin typeface="나눔고딕" pitchFamily="50" charset="-127"/>
+                <a:ea typeface="나눔고딕" pitchFamily="50" charset="-127"/>
+              </a:rPr>
+              <a:t>데이터 전처리</a:t>
+            </a:r>
+          </a:p>
+        </p:txBody>
+      </p:sp>
+      <p:sp>
+        <p:nvSpPr>
+          <p:cNvPr id="14" name="TextBox 13"/>
+          <p:cNvSpPr txBox="1"/>
+          <p:nvPr/>
+        </p:nvSpPr>
+        <p:spPr>
+          <a:xfrm>
+            <a:off x="5798573" y="3447494"/>
+            <a:ext cx="1261884" cy="1569660"/>
+          </a:xfrm>
+          <a:prstGeom prst="rect">
+            <a:avLst/>
+          </a:prstGeom>
+          <a:noFill/>
+        </p:spPr>
+        <p:txBody>
+          <a:bodyPr wrap="none" rtlCol="0">
+            <a:spAutoFit/>
+          </a:bodyPr>
+          <a:lstStyle/>
+          <a:p>
+            <a:pPr algn="just">
+              <a:lnSpc>
+                <a:spcPct val="150000"/>
+              </a:lnSpc>
+            </a:pPr>
+            <a:r>
+              <a:rPr lang="ko-KR" altLang="en-US" sz="1600" dirty="0">
+                <a:latin typeface="나눔고딕" pitchFamily="50" charset="-127"/>
+                <a:ea typeface="나눔고딕" pitchFamily="50" charset="-127"/>
+              </a:rPr>
+              <a:t>데이터 분석</a:t>
+            </a:r>
+            <a:endParaRPr lang="en-US" altLang="ko-KR" sz="1600" dirty="0">
+              <a:latin typeface="나눔고딕" pitchFamily="50" charset="-127"/>
+              <a:ea typeface="나눔고딕" pitchFamily="50" charset="-127"/>
+            </a:endParaRPr>
+          </a:p>
+          <a:p>
+            <a:pPr algn="just">
+              <a:lnSpc>
+                <a:spcPct val="150000"/>
+              </a:lnSpc>
+            </a:pPr>
+            <a:r>
+              <a:rPr lang="ko-KR" altLang="en-US" sz="1600" dirty="0" err="1">
+                <a:latin typeface="나눔고딕" pitchFamily="50" charset="-127"/>
+                <a:ea typeface="나눔고딕" pitchFamily="50" charset="-127"/>
+              </a:rPr>
+              <a:t>회귀식</a:t>
+            </a:r>
+            <a:r>
+              <a:rPr lang="ko-KR" altLang="en-US" sz="1600" dirty="0">
+                <a:latin typeface="나눔고딕" pitchFamily="50" charset="-127"/>
+                <a:ea typeface="나눔고딕" pitchFamily="50" charset="-127"/>
+              </a:rPr>
+              <a:t> 추정</a:t>
+            </a:r>
+            <a:endParaRPr lang="en-US" altLang="ko-KR" sz="1600" dirty="0">
+              <a:latin typeface="나눔고딕" pitchFamily="50" charset="-127"/>
+              <a:ea typeface="나눔고딕" pitchFamily="50" charset="-127"/>
+            </a:endParaRPr>
+          </a:p>
+          <a:p>
+            <a:pPr algn="just">
+              <a:lnSpc>
+                <a:spcPct val="150000"/>
+              </a:lnSpc>
+            </a:pPr>
+            <a:r>
+              <a:rPr lang="ko-KR" altLang="en-US" sz="1600" dirty="0" err="1">
+                <a:latin typeface="나눔고딕" pitchFamily="50" charset="-127"/>
+                <a:ea typeface="나눔고딕" pitchFamily="50" charset="-127"/>
+              </a:rPr>
+              <a:t>잔차</a:t>
+            </a:r>
+            <a:r>
+              <a:rPr lang="ko-KR" altLang="en-US" sz="1600" dirty="0">
+                <a:latin typeface="나눔고딕" pitchFamily="50" charset="-127"/>
+                <a:ea typeface="나눔고딕" pitchFamily="50" charset="-127"/>
+              </a:rPr>
+              <a:t> 분석</a:t>
+            </a:r>
+            <a:endParaRPr lang="en-US" altLang="ko-KR" sz="1600" dirty="0">
+              <a:latin typeface="나눔고딕" pitchFamily="50" charset="-127"/>
+              <a:ea typeface="나눔고딕" pitchFamily="50" charset="-127"/>
+            </a:endParaRPr>
+          </a:p>
+          <a:p>
+            <a:pPr algn="just">
+              <a:lnSpc>
+                <a:spcPct val="150000"/>
+              </a:lnSpc>
+            </a:pPr>
+            <a:r>
+              <a:rPr lang="ko-KR" altLang="en-US" sz="1600" dirty="0">
+                <a:latin typeface="나눔고딕" pitchFamily="50" charset="-127"/>
+                <a:ea typeface="나눔고딕" pitchFamily="50" charset="-127"/>
+              </a:rPr>
+              <a:t>예측</a:t>
+            </a:r>
+            <a:r>
+              <a:rPr lang="en-US" altLang="ko-KR" sz="1600" dirty="0">
+                <a:latin typeface="나눔고딕" pitchFamily="50" charset="-127"/>
+                <a:ea typeface="나눔고딕" pitchFamily="50" charset="-127"/>
+              </a:rPr>
+              <a:t> </a:t>
+            </a:r>
+            <a:r>
+              <a:rPr lang="ko-KR" altLang="en-US" sz="1600" dirty="0">
+                <a:latin typeface="나눔고딕" pitchFamily="50" charset="-127"/>
+                <a:ea typeface="나눔고딕" pitchFamily="50" charset="-127"/>
+              </a:rPr>
+              <a:t>및 평가</a:t>
+            </a:r>
+          </a:p>
+        </p:txBody>
+      </p:sp>
+      <p:sp>
+        <p:nvSpPr>
+          <p:cNvPr id="15" name="TextBox 14"/>
+          <p:cNvSpPr txBox="1"/>
+          <p:nvPr/>
+        </p:nvSpPr>
+        <p:spPr>
+          <a:xfrm>
+            <a:off x="7941713" y="3447494"/>
+            <a:ext cx="1011815" cy="830997"/>
+          </a:xfrm>
+          <a:prstGeom prst="rect">
+            <a:avLst/>
+          </a:prstGeom>
+          <a:noFill/>
+        </p:spPr>
+        <p:txBody>
+          <a:bodyPr wrap="none" rtlCol="0">
+            <a:spAutoFit/>
+          </a:bodyPr>
+          <a:lstStyle/>
+          <a:p>
+            <a:pPr algn="just">
+              <a:lnSpc>
+                <a:spcPct val="150000"/>
+              </a:lnSpc>
+            </a:pPr>
+            <a:r>
+              <a:rPr lang="ko-KR" altLang="en-US" sz="1600" dirty="0">
+                <a:latin typeface="나눔고딕" pitchFamily="50" charset="-127"/>
+                <a:ea typeface="나눔고딕" pitchFamily="50" charset="-127"/>
+              </a:rPr>
+              <a:t>기대효과</a:t>
+            </a:r>
+            <a:endParaRPr lang="en-US" altLang="ko-KR" sz="1600" dirty="0">
+              <a:latin typeface="나눔고딕" pitchFamily="50" charset="-127"/>
+              <a:ea typeface="나눔고딕" pitchFamily="50" charset="-127"/>
+            </a:endParaRPr>
+          </a:p>
+          <a:p>
+            <a:pPr algn="just">
+              <a:lnSpc>
+                <a:spcPct val="150000"/>
+              </a:lnSpc>
+            </a:pPr>
+            <a:r>
+              <a:rPr lang="ko-KR" altLang="en-US" sz="1600" dirty="0">
+                <a:latin typeface="나눔고딕" pitchFamily="50" charset="-127"/>
+                <a:ea typeface="나눔고딕" pitchFamily="50" charset="-127"/>
+              </a:rPr>
+              <a:t>향후 과제</a:t>
+            </a:r>
+          </a:p>
+        </p:txBody>
+      </p:sp>
+    </p:spTree>
+  </p:cSld>
+  <p:clrMapOvr>
+    <a:masterClrMapping/>
+  </p:clrMapOvr>
+</p:sld>
+</file>
+
+<file path=ppt/slides/slide20.xml><?xml version="1.0" encoding="utf-8"?>
 <p:sld xmlns:a="http://schemas.openxmlformats.org/drawingml/2006/main" xmlns:r="http://schemas.openxmlformats.org/officeDocument/2006/relationships" xmlns:p="http://schemas.openxmlformats.org/presentationml/2006/main">
   <p:cSld>
     <p:spTree>
@@ -15089,523 +16149,7 @@
 </p:sld>
 </file>
 
-<file path=ppt/slides/slide2.xml><?xml version="1.0" encoding="utf-8"?>
-<p:sld xmlns:a="http://schemas.openxmlformats.org/drawingml/2006/main" xmlns:r="http://schemas.openxmlformats.org/officeDocument/2006/relationships" xmlns:p="http://schemas.openxmlformats.org/presentationml/2006/main">
-  <p:cSld>
-    <p:spTree>
-      <p:nvGrpSpPr>
-        <p:cNvPr id="1" name=""/>
-        <p:cNvGrpSpPr/>
-        <p:nvPr/>
-      </p:nvGrpSpPr>
-      <p:grpSpPr>
-        <a:xfrm>
-          <a:off x="0" y="0"/>
-          <a:ext cx="0" cy="0"/>
-          <a:chOff x="0" y="0"/>
-          <a:chExt cx="0" cy="0"/>
-        </a:xfrm>
-      </p:grpSpPr>
-      <p:sp>
-        <p:nvSpPr>
-          <p:cNvPr id="3" name="TextBox 2"/>
-          <p:cNvSpPr txBox="1"/>
-          <p:nvPr/>
-        </p:nvSpPr>
-        <p:spPr>
-          <a:xfrm>
-            <a:off x="4152222" y="1447230"/>
-            <a:ext cx="1515158" cy="830997"/>
-          </a:xfrm>
-          <a:prstGeom prst="rect">
-            <a:avLst/>
-          </a:prstGeom>
-          <a:noFill/>
-        </p:spPr>
-        <p:txBody>
-          <a:bodyPr wrap="none" rtlCol="0">
-            <a:spAutoFit/>
-          </a:bodyPr>
-          <a:lstStyle/>
-          <a:p>
-            <a:pPr algn="just"/>
-            <a:r>
-              <a:rPr lang="ko-KR" altLang="en-US" sz="4800" dirty="0">
-                <a:latin typeface="나눔고딕" pitchFamily="50" charset="-127"/>
-                <a:ea typeface="나눔고딕" pitchFamily="50" charset="-127"/>
-              </a:rPr>
-              <a:t>목 차</a:t>
-            </a:r>
-          </a:p>
-        </p:txBody>
-      </p:sp>
-      <p:sp>
-        <p:nvSpPr>
-          <p:cNvPr id="8" name="TextBox 7"/>
-          <p:cNvSpPr txBox="1"/>
-          <p:nvPr/>
-        </p:nvSpPr>
-        <p:spPr>
-          <a:xfrm>
-            <a:off x="738158" y="2875990"/>
-            <a:ext cx="1669047" cy="369332"/>
-          </a:xfrm>
-          <a:prstGeom prst="rect">
-            <a:avLst/>
-          </a:prstGeom>
-          <a:noFill/>
-        </p:spPr>
-        <p:txBody>
-          <a:bodyPr wrap="none" rtlCol="0">
-            <a:spAutoFit/>
-          </a:bodyPr>
-          <a:lstStyle/>
-          <a:p>
-            <a:pPr algn="just"/>
-            <a:r>
-              <a:rPr lang="en-US" altLang="ko-KR" b="1" dirty="0">
-                <a:latin typeface="나눔고딕" pitchFamily="50" charset="-127"/>
-                <a:ea typeface="나눔고딕" pitchFamily="50" charset="-127"/>
-              </a:rPr>
-              <a:t>1. </a:t>
-            </a:r>
-            <a:r>
-              <a:rPr lang="ko-KR" altLang="en-US" b="1" dirty="0">
-                <a:latin typeface="나눔고딕" pitchFamily="50" charset="-127"/>
-                <a:ea typeface="나눔고딕" pitchFamily="50" charset="-127"/>
-              </a:rPr>
-              <a:t>배경 및 목적</a:t>
-            </a:r>
-          </a:p>
-        </p:txBody>
-      </p:sp>
-      <p:sp>
-        <p:nvSpPr>
-          <p:cNvPr id="9" name="TextBox 8"/>
-          <p:cNvSpPr txBox="1"/>
-          <p:nvPr/>
-        </p:nvSpPr>
-        <p:spPr>
-          <a:xfrm>
-            <a:off x="2841015" y="2875990"/>
-            <a:ext cx="2340705" cy="369332"/>
-          </a:xfrm>
-          <a:prstGeom prst="rect">
-            <a:avLst/>
-          </a:prstGeom>
-          <a:noFill/>
-        </p:spPr>
-        <p:txBody>
-          <a:bodyPr wrap="none" rtlCol="0">
-            <a:spAutoFit/>
-          </a:bodyPr>
-          <a:lstStyle/>
-          <a:p>
-            <a:pPr algn="just"/>
-            <a:r>
-              <a:rPr lang="en-US" altLang="ko-KR" b="1" dirty="0">
-                <a:latin typeface="나눔고딕" pitchFamily="50" charset="-127"/>
-                <a:ea typeface="나눔고딕" pitchFamily="50" charset="-127"/>
-              </a:rPr>
-              <a:t>2. </a:t>
-            </a:r>
-            <a:r>
-              <a:rPr lang="ko-KR" altLang="en-US" b="1" dirty="0">
-                <a:latin typeface="나눔고딕" pitchFamily="50" charset="-127"/>
-                <a:ea typeface="나눔고딕" pitchFamily="50" charset="-127"/>
-              </a:rPr>
-              <a:t>데이터 수집</a:t>
-            </a:r>
-            <a:r>
-              <a:rPr lang="en-US" altLang="ko-KR" b="1" dirty="0">
-                <a:latin typeface="나눔고딕" pitchFamily="50" charset="-127"/>
-                <a:ea typeface="나눔고딕" pitchFamily="50" charset="-127"/>
-              </a:rPr>
-              <a:t>/</a:t>
-            </a:r>
-            <a:r>
-              <a:rPr lang="ko-KR" altLang="en-US" b="1" dirty="0">
-                <a:latin typeface="나눔고딕" pitchFamily="50" charset="-127"/>
-                <a:ea typeface="나눔고딕" pitchFamily="50" charset="-127"/>
-              </a:rPr>
-              <a:t>전처리</a:t>
-            </a:r>
-          </a:p>
-        </p:txBody>
-      </p:sp>
-      <p:sp>
-        <p:nvSpPr>
-          <p:cNvPr id="10" name="TextBox 9"/>
-          <p:cNvSpPr txBox="1"/>
-          <p:nvPr/>
-        </p:nvSpPr>
-        <p:spPr>
-          <a:xfrm>
-            <a:off x="5918797" y="2875990"/>
-            <a:ext cx="891591" cy="369332"/>
-          </a:xfrm>
-          <a:prstGeom prst="rect">
-            <a:avLst/>
-          </a:prstGeom>
-          <a:noFill/>
-        </p:spPr>
-        <p:txBody>
-          <a:bodyPr wrap="none" rtlCol="0">
-            <a:spAutoFit/>
-          </a:bodyPr>
-          <a:lstStyle/>
-          <a:p>
-            <a:pPr algn="just"/>
-            <a:r>
-              <a:rPr lang="en-US" altLang="ko-KR" b="1" dirty="0">
-                <a:latin typeface="나눔고딕" pitchFamily="50" charset="-127"/>
-                <a:ea typeface="나눔고딕" pitchFamily="50" charset="-127"/>
-              </a:rPr>
-              <a:t>3. </a:t>
-            </a:r>
-            <a:r>
-              <a:rPr lang="ko-KR" altLang="en-US" b="1" dirty="0">
-                <a:latin typeface="나눔고딕" pitchFamily="50" charset="-127"/>
-                <a:ea typeface="나눔고딕" pitchFamily="50" charset="-127"/>
-              </a:rPr>
-              <a:t>분석</a:t>
-            </a:r>
-          </a:p>
-        </p:txBody>
-      </p:sp>
-      <p:sp>
-        <p:nvSpPr>
-          <p:cNvPr id="11" name="TextBox 10"/>
-          <p:cNvSpPr txBox="1"/>
-          <p:nvPr/>
-        </p:nvSpPr>
-        <p:spPr>
-          <a:xfrm>
-            <a:off x="7938044" y="2875990"/>
-            <a:ext cx="891591" cy="369332"/>
-          </a:xfrm>
-          <a:prstGeom prst="rect">
-            <a:avLst/>
-          </a:prstGeom>
-          <a:noFill/>
-        </p:spPr>
-        <p:txBody>
-          <a:bodyPr wrap="none" rtlCol="0">
-            <a:spAutoFit/>
-          </a:bodyPr>
-          <a:lstStyle/>
-          <a:p>
-            <a:pPr algn="just"/>
-            <a:r>
-              <a:rPr lang="en-US" altLang="ko-KR" b="1" dirty="0">
-                <a:latin typeface="나눔고딕" pitchFamily="50" charset="-127"/>
-                <a:ea typeface="나눔고딕" pitchFamily="50" charset="-127"/>
-              </a:rPr>
-              <a:t>4. </a:t>
-            </a:r>
-            <a:r>
-              <a:rPr lang="ko-KR" altLang="en-US" b="1" dirty="0">
-                <a:latin typeface="나눔고딕" pitchFamily="50" charset="-127"/>
-                <a:ea typeface="나눔고딕" pitchFamily="50" charset="-127"/>
-              </a:rPr>
-              <a:t>결론</a:t>
-            </a:r>
-          </a:p>
-        </p:txBody>
-      </p:sp>
-      <p:sp>
-        <p:nvSpPr>
-          <p:cNvPr id="12" name="TextBox 11"/>
-          <p:cNvSpPr txBox="1"/>
-          <p:nvPr/>
-        </p:nvSpPr>
-        <p:spPr>
-          <a:xfrm>
-            <a:off x="986298" y="3447494"/>
-            <a:ext cx="1011815" cy="830997"/>
-          </a:xfrm>
-          <a:prstGeom prst="rect">
-            <a:avLst/>
-          </a:prstGeom>
-          <a:noFill/>
-        </p:spPr>
-        <p:txBody>
-          <a:bodyPr wrap="none" rtlCol="0">
-            <a:spAutoFit/>
-          </a:bodyPr>
-          <a:lstStyle/>
-          <a:p>
-            <a:pPr algn="just">
-              <a:lnSpc>
-                <a:spcPct val="150000"/>
-              </a:lnSpc>
-            </a:pPr>
-            <a:r>
-              <a:rPr lang="ko-KR" altLang="en-US" sz="1600" dirty="0">
-                <a:latin typeface="나눔고딕" pitchFamily="50" charset="-127"/>
-                <a:ea typeface="나눔고딕" pitchFamily="50" charset="-127"/>
-              </a:rPr>
-              <a:t>연구 배경</a:t>
-            </a:r>
-            <a:endParaRPr lang="en-US" altLang="ko-KR" sz="1600" dirty="0">
-              <a:latin typeface="나눔고딕" pitchFamily="50" charset="-127"/>
-              <a:ea typeface="나눔고딕" pitchFamily="50" charset="-127"/>
-            </a:endParaRPr>
-          </a:p>
-          <a:p>
-            <a:pPr algn="just">
-              <a:lnSpc>
-                <a:spcPct val="150000"/>
-              </a:lnSpc>
-            </a:pPr>
-            <a:r>
-              <a:rPr lang="ko-KR" altLang="en-US" sz="1600" dirty="0">
-                <a:latin typeface="나눔고딕" pitchFamily="50" charset="-127"/>
-                <a:ea typeface="나눔고딕" pitchFamily="50" charset="-127"/>
-              </a:rPr>
-              <a:t>연구 과제</a:t>
-            </a:r>
-          </a:p>
-        </p:txBody>
-      </p:sp>
-      <p:sp>
-        <p:nvSpPr>
-          <p:cNvPr id="13" name="TextBox 12"/>
-          <p:cNvSpPr txBox="1"/>
-          <p:nvPr/>
-        </p:nvSpPr>
-        <p:spPr>
-          <a:xfrm>
-            <a:off x="3126767" y="3447494"/>
-            <a:ext cx="1396536" cy="830997"/>
-          </a:xfrm>
-          <a:prstGeom prst="rect">
-            <a:avLst/>
-          </a:prstGeom>
-          <a:noFill/>
-        </p:spPr>
-        <p:txBody>
-          <a:bodyPr wrap="none" rtlCol="0">
-            <a:spAutoFit/>
-          </a:bodyPr>
-          <a:lstStyle/>
-          <a:p>
-            <a:pPr algn="just">
-              <a:lnSpc>
-                <a:spcPct val="150000"/>
-              </a:lnSpc>
-            </a:pPr>
-            <a:r>
-              <a:rPr lang="ko-KR" altLang="en-US" sz="1600" dirty="0">
-                <a:latin typeface="나눔고딕" pitchFamily="50" charset="-127"/>
-                <a:ea typeface="나눔고딕" pitchFamily="50" charset="-127"/>
-              </a:rPr>
-              <a:t>데이터 수집</a:t>
-            </a:r>
-            <a:endParaRPr lang="en-US" altLang="ko-KR" sz="1600" dirty="0">
-              <a:latin typeface="나눔고딕" pitchFamily="50" charset="-127"/>
-              <a:ea typeface="나눔고딕" pitchFamily="50" charset="-127"/>
-            </a:endParaRPr>
-          </a:p>
-          <a:p>
-            <a:pPr algn="just">
-              <a:lnSpc>
-                <a:spcPct val="150000"/>
-              </a:lnSpc>
-            </a:pPr>
-            <a:r>
-              <a:rPr lang="ko-KR" altLang="en-US" sz="1600" dirty="0">
-                <a:latin typeface="나눔고딕" pitchFamily="50" charset="-127"/>
-                <a:ea typeface="나눔고딕" pitchFamily="50" charset="-127"/>
-              </a:rPr>
-              <a:t>데이터 전처리</a:t>
-            </a:r>
-          </a:p>
-        </p:txBody>
-      </p:sp>
-      <p:sp>
-        <p:nvSpPr>
-          <p:cNvPr id="14" name="TextBox 13"/>
-          <p:cNvSpPr txBox="1"/>
-          <p:nvPr/>
-        </p:nvSpPr>
-        <p:spPr>
-          <a:xfrm>
-            <a:off x="5798573" y="3447494"/>
-            <a:ext cx="1261884" cy="1569660"/>
-          </a:xfrm>
-          <a:prstGeom prst="rect">
-            <a:avLst/>
-          </a:prstGeom>
-          <a:noFill/>
-        </p:spPr>
-        <p:txBody>
-          <a:bodyPr wrap="none" rtlCol="0">
-            <a:spAutoFit/>
-          </a:bodyPr>
-          <a:lstStyle/>
-          <a:p>
-            <a:pPr algn="just">
-              <a:lnSpc>
-                <a:spcPct val="150000"/>
-              </a:lnSpc>
-            </a:pPr>
-            <a:r>
-              <a:rPr lang="ko-KR" altLang="en-US" sz="1600" dirty="0">
-                <a:latin typeface="나눔고딕" pitchFamily="50" charset="-127"/>
-                <a:ea typeface="나눔고딕" pitchFamily="50" charset="-127"/>
-              </a:rPr>
-              <a:t>데이터 분석</a:t>
-            </a:r>
-            <a:endParaRPr lang="en-US" altLang="ko-KR" sz="1600" dirty="0">
-              <a:latin typeface="나눔고딕" pitchFamily="50" charset="-127"/>
-              <a:ea typeface="나눔고딕" pitchFamily="50" charset="-127"/>
-            </a:endParaRPr>
-          </a:p>
-          <a:p>
-            <a:pPr algn="just">
-              <a:lnSpc>
-                <a:spcPct val="150000"/>
-              </a:lnSpc>
-            </a:pPr>
-            <a:r>
-              <a:rPr lang="ko-KR" altLang="en-US" sz="1600" dirty="0" err="1">
-                <a:latin typeface="나눔고딕" pitchFamily="50" charset="-127"/>
-                <a:ea typeface="나눔고딕" pitchFamily="50" charset="-127"/>
-              </a:rPr>
-              <a:t>회귀식</a:t>
-            </a:r>
-            <a:r>
-              <a:rPr lang="ko-KR" altLang="en-US" sz="1600" dirty="0">
-                <a:latin typeface="나눔고딕" pitchFamily="50" charset="-127"/>
-                <a:ea typeface="나눔고딕" pitchFamily="50" charset="-127"/>
-              </a:rPr>
-              <a:t> 추정</a:t>
-            </a:r>
-            <a:endParaRPr lang="en-US" altLang="ko-KR" sz="1600" dirty="0">
-              <a:latin typeface="나눔고딕" pitchFamily="50" charset="-127"/>
-              <a:ea typeface="나눔고딕" pitchFamily="50" charset="-127"/>
-            </a:endParaRPr>
-          </a:p>
-          <a:p>
-            <a:pPr algn="just">
-              <a:lnSpc>
-                <a:spcPct val="150000"/>
-              </a:lnSpc>
-            </a:pPr>
-            <a:r>
-              <a:rPr lang="ko-KR" altLang="en-US" sz="1600" dirty="0" err="1">
-                <a:latin typeface="나눔고딕" pitchFamily="50" charset="-127"/>
-                <a:ea typeface="나눔고딕" pitchFamily="50" charset="-127"/>
-              </a:rPr>
-              <a:t>잔차</a:t>
-            </a:r>
-            <a:r>
-              <a:rPr lang="ko-KR" altLang="en-US" sz="1600" dirty="0">
-                <a:latin typeface="나눔고딕" pitchFamily="50" charset="-127"/>
-                <a:ea typeface="나눔고딕" pitchFamily="50" charset="-127"/>
-              </a:rPr>
-              <a:t> 분석</a:t>
-            </a:r>
-            <a:endParaRPr lang="en-US" altLang="ko-KR" sz="1600" dirty="0">
-              <a:latin typeface="나눔고딕" pitchFamily="50" charset="-127"/>
-              <a:ea typeface="나눔고딕" pitchFamily="50" charset="-127"/>
-            </a:endParaRPr>
-          </a:p>
-          <a:p>
-            <a:pPr algn="just">
-              <a:lnSpc>
-                <a:spcPct val="150000"/>
-              </a:lnSpc>
-            </a:pPr>
-            <a:r>
-              <a:rPr lang="ko-KR" altLang="en-US" sz="1600" dirty="0">
-                <a:latin typeface="나눔고딕" pitchFamily="50" charset="-127"/>
-                <a:ea typeface="나눔고딕" pitchFamily="50" charset="-127"/>
-              </a:rPr>
-              <a:t>예측</a:t>
-            </a:r>
-            <a:r>
-              <a:rPr lang="en-US" altLang="ko-KR" sz="1600" dirty="0">
-                <a:latin typeface="나눔고딕" pitchFamily="50" charset="-127"/>
-                <a:ea typeface="나눔고딕" pitchFamily="50" charset="-127"/>
-              </a:rPr>
-              <a:t> </a:t>
-            </a:r>
-            <a:r>
-              <a:rPr lang="ko-KR" altLang="en-US" sz="1600" dirty="0">
-                <a:latin typeface="나눔고딕" pitchFamily="50" charset="-127"/>
-                <a:ea typeface="나눔고딕" pitchFamily="50" charset="-127"/>
-              </a:rPr>
-              <a:t>및 평가</a:t>
-            </a:r>
-          </a:p>
-        </p:txBody>
-      </p:sp>
-      <p:sp>
-        <p:nvSpPr>
-          <p:cNvPr id="15" name="TextBox 14"/>
-          <p:cNvSpPr txBox="1"/>
-          <p:nvPr/>
-        </p:nvSpPr>
-        <p:spPr>
-          <a:xfrm>
-            <a:off x="7941713" y="3447494"/>
-            <a:ext cx="1011815" cy="830997"/>
-          </a:xfrm>
-          <a:prstGeom prst="rect">
-            <a:avLst/>
-          </a:prstGeom>
-          <a:noFill/>
-        </p:spPr>
-        <p:txBody>
-          <a:bodyPr wrap="none" rtlCol="0">
-            <a:spAutoFit/>
-          </a:bodyPr>
-          <a:lstStyle/>
-          <a:p>
-            <a:pPr algn="just">
-              <a:lnSpc>
-                <a:spcPct val="150000"/>
-              </a:lnSpc>
-            </a:pPr>
-            <a:r>
-              <a:rPr lang="ko-KR" altLang="en-US" sz="1600" dirty="0">
-                <a:latin typeface="나눔고딕" pitchFamily="50" charset="-127"/>
-                <a:ea typeface="나눔고딕" pitchFamily="50" charset="-127"/>
-              </a:rPr>
-              <a:t>기대효과</a:t>
-            </a:r>
-            <a:endParaRPr lang="en-US" altLang="ko-KR" sz="1600" dirty="0">
-              <a:latin typeface="나눔고딕" pitchFamily="50" charset="-127"/>
-              <a:ea typeface="나눔고딕" pitchFamily="50" charset="-127"/>
-            </a:endParaRPr>
-          </a:p>
-          <a:p>
-            <a:pPr algn="just">
-              <a:lnSpc>
-                <a:spcPct val="150000"/>
-              </a:lnSpc>
-            </a:pPr>
-            <a:r>
-              <a:rPr lang="ko-KR" altLang="en-US" sz="1600" dirty="0">
-                <a:latin typeface="나눔고딕" pitchFamily="50" charset="-127"/>
-                <a:ea typeface="나눔고딕" pitchFamily="50" charset="-127"/>
-              </a:rPr>
-              <a:t>향후 과제</a:t>
-            </a:r>
-          </a:p>
-        </p:txBody>
-      </p:sp>
-    </p:spTree>
-  </p:cSld>
-  <p:clrMapOvr>
-    <a:masterClrMapping/>
-  </p:clrMapOvr>
-</p:sld>
-</file>
-
-<file path=ppt/slides/slide20.xml><?xml version="1.0" encoding="utf-8"?>
+<file path=ppt/slides/slide21.xml><?xml version="1.0" encoding="utf-8"?>
 <p:sld xmlns:a="http://schemas.openxmlformats.org/drawingml/2006/main" xmlns:r="http://schemas.openxmlformats.org/officeDocument/2006/relationships" xmlns:p="http://schemas.openxmlformats.org/presentationml/2006/main">
   <p:cSld>
     <p:spTree>
@@ -16535,7 +17079,7 @@
 </p:sld>
 </file>
 
-<file path=ppt/slides/slide21.xml><?xml version="1.0" encoding="utf-8"?>
+<file path=ppt/slides/slide22.xml><?xml version="1.0" encoding="utf-8"?>
 <p:sld xmlns:a="http://schemas.openxmlformats.org/drawingml/2006/main" xmlns:r="http://schemas.openxmlformats.org/officeDocument/2006/relationships" xmlns:p="http://schemas.openxmlformats.org/presentationml/2006/main">
   <p:cSld>
     <p:spTree>
@@ -17486,7 +18030,7 @@
 </p:sld>
 </file>
 
-<file path=ppt/slides/slide22.xml><?xml version="1.0" encoding="utf-8"?>
+<file path=ppt/slides/slide23.xml><?xml version="1.0" encoding="utf-8"?>
 <p:sld xmlns:a="http://schemas.openxmlformats.org/drawingml/2006/main" xmlns:r="http://schemas.openxmlformats.org/officeDocument/2006/relationships" xmlns:p="http://schemas.openxmlformats.org/presentationml/2006/main">
   <p:cSld>
     <p:spTree>
@@ -24677,6 +25221,489 @@
           <a:chExt cx="0" cy="0"/>
         </a:xfrm>
       </p:grpSpPr>
+      <p:sp>
+        <p:nvSpPr>
+          <p:cNvPr id="7" name="직사각형 6">
+            <a:extLst>
+              <a:ext uri="{FF2B5EF4-FFF2-40B4-BE49-F238E27FC236}">
+                <a16:creationId xmlns:a16="http://schemas.microsoft.com/office/drawing/2014/main" id="{BD9EEFCE-CBDF-F8A8-B18F-57AC3C80D891}"/>
+              </a:ext>
+            </a:extLst>
+          </p:cNvPr>
+          <p:cNvSpPr/>
+          <p:nvPr/>
+        </p:nvSpPr>
+        <p:spPr>
+          <a:xfrm>
+            <a:off x="1452538" y="5214950"/>
+            <a:ext cx="7200800" cy="1152128"/>
+          </a:xfrm>
+          <a:prstGeom prst="rect">
+            <a:avLst/>
+          </a:prstGeom>
+          <a:solidFill>
+            <a:schemeClr val="accent1">
+              <a:alpha val="25000"/>
+            </a:schemeClr>
+          </a:solidFill>
+          <a:ln>
+            <a:noFill/>
+          </a:ln>
+        </p:spPr>
+        <p:style>
+          <a:lnRef idx="2">
+            <a:schemeClr val="accent1">
+              <a:shade val="50000"/>
+            </a:schemeClr>
+          </a:lnRef>
+          <a:fillRef idx="1">
+            <a:schemeClr val="accent1"/>
+          </a:fillRef>
+          <a:effectRef idx="0">
+            <a:schemeClr val="accent1"/>
+          </a:effectRef>
+          <a:fontRef idx="minor">
+            <a:schemeClr val="lt1"/>
+          </a:fontRef>
+        </p:style>
+        <p:txBody>
+          <a:bodyPr rtlCol="0" anchor="ctr"/>
+          <a:lstStyle/>
+          <a:p>
+            <a:pPr marL="0" marR="0" lvl="0" indent="0" algn="ctr" defTabSz="914400" rtl="0" eaLnBrk="1" fontAlgn="auto" latinLnBrk="1" hangingPunct="1">
+              <a:lnSpc>
+                <a:spcPct val="100000"/>
+              </a:lnSpc>
+              <a:spcBef>
+                <a:spcPts val="0"/>
+              </a:spcBef>
+              <a:spcAft>
+                <a:spcPts val="0"/>
+              </a:spcAft>
+              <a:buClrTx/>
+              <a:buSzTx/>
+              <a:buFontTx/>
+              <a:buNone/>
+              <a:tabLst/>
+              <a:defRPr/>
+            </a:pPr>
+            <a:endParaRPr kumimoji="0" lang="ko-KR" altLang="en-US" sz="1800" b="0" i="0" u="none" strike="noStrike" kern="1200" cap="none" spc="0" normalizeH="0" baseline="0" noProof="0">
+              <a:ln>
+                <a:noFill/>
+              </a:ln>
+              <a:solidFill>
+                <a:prstClr val="white"/>
+              </a:solidFill>
+              <a:effectLst/>
+              <a:uLnTx/>
+              <a:uFillTx/>
+              <a:latin typeface="나눔고딕" panose="020D0604000000000000" pitchFamily="50" charset="-127"/>
+              <a:ea typeface="나눔고딕" panose="020D0604000000000000" pitchFamily="50" charset="-127"/>
+              <a:cs typeface="+mn-cs"/>
+            </a:endParaRPr>
+          </a:p>
+        </p:txBody>
+      </p:sp>
+      <p:sp>
+        <p:nvSpPr>
+          <p:cNvPr id="8" name="TextBox 7">
+            <a:extLst>
+              <a:ext uri="{FF2B5EF4-FFF2-40B4-BE49-F238E27FC236}">
+                <a16:creationId xmlns:a16="http://schemas.microsoft.com/office/drawing/2014/main" id="{F1655580-FCA1-5046-2FCE-1D07A6D58F0C}"/>
+              </a:ext>
+            </a:extLst>
+          </p:cNvPr>
+          <p:cNvSpPr txBox="1"/>
+          <p:nvPr/>
+        </p:nvSpPr>
+        <p:spPr>
+          <a:xfrm>
+            <a:off x="1845447" y="5440533"/>
+            <a:ext cx="6166467" cy="700961"/>
+          </a:xfrm>
+          <a:prstGeom prst="rect">
+            <a:avLst/>
+          </a:prstGeom>
+          <a:noFill/>
+        </p:spPr>
+        <p:txBody>
+          <a:bodyPr wrap="square" rtlCol="0" anchor="ctr">
+            <a:spAutoFit/>
+          </a:bodyPr>
+          <a:lstStyle/>
+          <a:p>
+            <a:pPr lvl="0" algn="ctr">
+              <a:lnSpc>
+                <a:spcPct val="150000"/>
+              </a:lnSpc>
+              <a:defRPr/>
+            </a:pPr>
+            <a:r>
+              <a:rPr lang="en-US" altLang="ko-KR" sz="1400" u="sng" dirty="0">
+                <a:solidFill>
+                  <a:prstClr val="black"/>
+                </a:solidFill>
+                <a:latin typeface="나눔고딕" panose="020D0604000000000000" pitchFamily="50" charset="-127"/>
+                <a:ea typeface="나눔고딕" panose="020D0604000000000000" pitchFamily="50" charset="-127"/>
+              </a:rPr>
+              <a:t>“</a:t>
+            </a:r>
+            <a:r>
+              <a:rPr lang="ko-KR" altLang="en-US" sz="1400" u="sng" dirty="0">
+                <a:solidFill>
+                  <a:prstClr val="black"/>
+                </a:solidFill>
+                <a:latin typeface="나눔고딕" panose="020D0604000000000000" pitchFamily="50" charset="-127"/>
+                <a:ea typeface="나눔고딕" panose="020D0604000000000000" pitchFamily="50" charset="-127"/>
+              </a:rPr>
+              <a:t>봄부터 기온이 계속 증가하다가 한여름인 </a:t>
+            </a:r>
+            <a:r>
+              <a:rPr lang="en-US" altLang="ko-KR" sz="1400" b="1" u="sng" dirty="0">
+                <a:solidFill>
+                  <a:prstClr val="black"/>
+                </a:solidFill>
+                <a:latin typeface="나눔고딕" panose="020D0604000000000000" pitchFamily="50" charset="-127"/>
+                <a:ea typeface="나눔고딕" panose="020D0604000000000000" pitchFamily="50" charset="-127"/>
+              </a:rPr>
+              <a:t>8</a:t>
+            </a:r>
+            <a:r>
+              <a:rPr lang="ko-KR" altLang="en-US" sz="1400" b="1" u="sng" dirty="0">
+                <a:solidFill>
+                  <a:prstClr val="black"/>
+                </a:solidFill>
+                <a:latin typeface="나눔고딕" panose="020D0604000000000000" pitchFamily="50" charset="-127"/>
+                <a:ea typeface="나눔고딕" panose="020D0604000000000000" pitchFamily="50" charset="-127"/>
+              </a:rPr>
+              <a:t>월에 최고기온</a:t>
+            </a:r>
+            <a:r>
+              <a:rPr lang="ko-KR" altLang="en-US" sz="1400" u="sng" dirty="0">
+                <a:solidFill>
+                  <a:prstClr val="black"/>
+                </a:solidFill>
+                <a:latin typeface="나눔고딕" panose="020D0604000000000000" pitchFamily="50" charset="-127"/>
+                <a:ea typeface="나눔고딕" panose="020D0604000000000000" pitchFamily="50" charset="-127"/>
+              </a:rPr>
+              <a:t>을</a:t>
+            </a:r>
+            <a:r>
+              <a:rPr lang="ko-KR" altLang="en-US" sz="1400" b="1" u="sng" dirty="0">
+                <a:solidFill>
+                  <a:prstClr val="black"/>
+                </a:solidFill>
+                <a:latin typeface="나눔고딕" panose="020D0604000000000000" pitchFamily="50" charset="-127"/>
+                <a:ea typeface="나눔고딕" panose="020D0604000000000000" pitchFamily="50" charset="-127"/>
+              </a:rPr>
+              <a:t> </a:t>
+            </a:r>
+            <a:r>
+              <a:rPr lang="ko-KR" altLang="en-US" sz="1400" u="sng" dirty="0">
+                <a:solidFill>
+                  <a:prstClr val="black"/>
+                </a:solidFill>
+                <a:latin typeface="나눔고딕" panose="020D0604000000000000" pitchFamily="50" charset="-127"/>
+                <a:ea typeface="나눔고딕" panose="020D0604000000000000" pitchFamily="50" charset="-127"/>
+              </a:rPr>
+              <a:t>찍고 다시 겨울로 갈수록 기온이 감소</a:t>
+            </a:r>
+            <a:r>
+              <a:rPr lang="en-US" altLang="ko-KR" sz="1400" u="sng" dirty="0">
+                <a:solidFill>
+                  <a:prstClr val="black"/>
+                </a:solidFill>
+                <a:latin typeface="나눔고딕" panose="020D0604000000000000" pitchFamily="50" charset="-127"/>
+                <a:ea typeface="나눔고딕" panose="020D0604000000000000" pitchFamily="50" charset="-127"/>
+              </a:rPr>
+              <a:t>”</a:t>
+            </a:r>
+            <a:endParaRPr lang="ko-KR" altLang="en-US" sz="1400" u="sng" dirty="0">
+              <a:solidFill>
+                <a:prstClr val="black"/>
+              </a:solidFill>
+              <a:latin typeface="나눔고딕" panose="020D0604000000000000" pitchFamily="50" charset="-127"/>
+              <a:ea typeface="나눔고딕" panose="020D0604000000000000" pitchFamily="50" charset="-127"/>
+            </a:endParaRPr>
+          </a:p>
+        </p:txBody>
+      </p:sp>
+      <p:sp>
+        <p:nvSpPr>
+          <p:cNvPr id="9" name="평행 사변형 8"/>
+          <p:cNvSpPr/>
+          <p:nvPr/>
+        </p:nvSpPr>
+        <p:spPr>
+          <a:xfrm flipH="1">
+            <a:off x="595282" y="785794"/>
+            <a:ext cx="2500330" cy="357190"/>
+          </a:xfrm>
+          <a:prstGeom prst="parallelogram">
+            <a:avLst/>
+          </a:prstGeom>
+          <a:solidFill>
+            <a:schemeClr val="accent3">
+              <a:lumMod val="75000"/>
+            </a:schemeClr>
+          </a:solidFill>
+          <a:ln>
+            <a:noFill/>
+          </a:ln>
+        </p:spPr>
+        <p:style>
+          <a:lnRef idx="2">
+            <a:schemeClr val="accent1">
+              <a:shade val="50000"/>
+            </a:schemeClr>
+          </a:lnRef>
+          <a:fillRef idx="1">
+            <a:schemeClr val="accent1"/>
+          </a:fillRef>
+          <a:effectRef idx="0">
+            <a:schemeClr val="accent1"/>
+          </a:effectRef>
+          <a:fontRef idx="minor">
+            <a:schemeClr val="lt1"/>
+          </a:fontRef>
+        </p:style>
+        <p:txBody>
+          <a:bodyPr rtlCol="0" anchor="ctr"/>
+          <a:lstStyle/>
+          <a:p>
+            <a:pPr algn="ctr"/>
+            <a:r>
+              <a:rPr lang="ko-KR" altLang="en-US" sz="1600" b="1" dirty="0">
+                <a:latin typeface="나눔고딕" pitchFamily="50" charset="-127"/>
+                <a:ea typeface="나눔고딕" pitchFamily="50" charset="-127"/>
+              </a:rPr>
+              <a:t>매출</a:t>
+            </a:r>
+            <a:r>
+              <a:rPr lang="en-US" altLang="ko-KR" sz="1600" b="1" dirty="0">
+                <a:latin typeface="나눔고딕" pitchFamily="50" charset="-127"/>
+                <a:ea typeface="나눔고딕" pitchFamily="50" charset="-127"/>
+              </a:rPr>
+              <a:t> </a:t>
+            </a:r>
+            <a:r>
+              <a:rPr lang="ko-KR" altLang="en-US" sz="1600" b="1" dirty="0">
+                <a:latin typeface="나눔고딕" pitchFamily="50" charset="-127"/>
+                <a:ea typeface="나눔고딕" pitchFamily="50" charset="-127"/>
+              </a:rPr>
+              <a:t>데이터 분석</a:t>
+            </a:r>
+          </a:p>
+        </p:txBody>
+      </p:sp>
+      <p:grpSp>
+        <p:nvGrpSpPr>
+          <p:cNvPr id="6" name="그룹 5">
+            <a:extLst>
+              <a:ext uri="{FF2B5EF4-FFF2-40B4-BE49-F238E27FC236}">
+                <a16:creationId xmlns:a16="http://schemas.microsoft.com/office/drawing/2014/main" id="{0D62797A-444C-5FD0-49BC-7061BCAAC11F}"/>
+              </a:ext>
+            </a:extLst>
+          </p:cNvPr>
+          <p:cNvGrpSpPr/>
+          <p:nvPr/>
+        </p:nvGrpSpPr>
+        <p:grpSpPr>
+          <a:xfrm>
+            <a:off x="666720" y="1357298"/>
+            <a:ext cx="8643998" cy="3624795"/>
+            <a:chOff x="666720" y="1357298"/>
+            <a:chExt cx="8643998" cy="3624795"/>
+          </a:xfrm>
+        </p:grpSpPr>
+        <p:sp>
+          <p:nvSpPr>
+            <p:cNvPr id="20" name="직사각형 19">
+              <a:extLst>
+                <a:ext uri="{FF2B5EF4-FFF2-40B4-BE49-F238E27FC236}">
+                  <a16:creationId xmlns:a16="http://schemas.microsoft.com/office/drawing/2014/main" id="{DBA60207-3ED5-8EC0-8A88-ED0D9D1EA6F3}"/>
+                </a:ext>
+              </a:extLst>
+            </p:cNvPr>
+            <p:cNvSpPr/>
+            <p:nvPr/>
+          </p:nvSpPr>
+          <p:spPr>
+            <a:xfrm>
+              <a:off x="666720" y="1357298"/>
+              <a:ext cx="8643998" cy="3624795"/>
+            </a:xfrm>
+            <a:prstGeom prst="rect">
+              <a:avLst/>
+            </a:prstGeom>
+            <a:noFill/>
+            <a:ln w="19050">
+              <a:solidFill>
+                <a:schemeClr val="tx2">
+                  <a:lumMod val="60000"/>
+                  <a:lumOff val="40000"/>
+                </a:schemeClr>
+              </a:solidFill>
+            </a:ln>
+          </p:spPr>
+          <p:style>
+            <a:lnRef idx="2">
+              <a:schemeClr val="accent1">
+                <a:shade val="50000"/>
+              </a:schemeClr>
+            </a:lnRef>
+            <a:fillRef idx="1">
+              <a:schemeClr val="accent1"/>
+            </a:fillRef>
+            <a:effectRef idx="0">
+              <a:schemeClr val="accent1"/>
+            </a:effectRef>
+            <a:fontRef idx="minor">
+              <a:schemeClr val="lt1"/>
+            </a:fontRef>
+          </p:style>
+          <p:txBody>
+            <a:bodyPr rtlCol="0" anchor="ctr"/>
+            <a:lstStyle/>
+            <a:p>
+              <a:pPr algn="ctr"/>
+              <a:endParaRPr lang="ko-KR" altLang="en-US"/>
+            </a:p>
+          </p:txBody>
+        </p:sp>
+        <p:pic>
+          <p:nvPicPr>
+            <p:cNvPr id="5" name="그림 4">
+              <a:extLst>
+                <a:ext uri="{FF2B5EF4-FFF2-40B4-BE49-F238E27FC236}">
+                  <a16:creationId xmlns:a16="http://schemas.microsoft.com/office/drawing/2014/main" id="{F31E6B4D-86FD-7DD6-65DC-22702739608D}"/>
+                </a:ext>
+              </a:extLst>
+            </p:cNvPr>
+            <p:cNvPicPr>
+              <a:picLocks noChangeAspect="1"/>
+            </p:cNvPicPr>
+            <p:nvPr/>
+          </p:nvPicPr>
+          <p:blipFill>
+            <a:blip r:embed="rId2"/>
+            <a:stretch>
+              <a:fillRect/>
+            </a:stretch>
+          </p:blipFill>
+          <p:spPr>
+            <a:xfrm>
+              <a:off x="819723" y="1464875"/>
+              <a:ext cx="8093717" cy="3476293"/>
+            </a:xfrm>
+            <a:prstGeom prst="rect">
+              <a:avLst/>
+            </a:prstGeom>
+          </p:spPr>
+        </p:pic>
+      </p:grpSp>
+      <p:sp>
+        <p:nvSpPr>
+          <p:cNvPr id="10" name="사각형 설명선 14">
+            <a:extLst>
+              <a:ext uri="{FF2B5EF4-FFF2-40B4-BE49-F238E27FC236}">
+                <a16:creationId xmlns:a16="http://schemas.microsoft.com/office/drawing/2014/main" id="{FEA40795-221D-8690-B598-2A37DFFDFEE9}"/>
+              </a:ext>
+            </a:extLst>
+          </p:cNvPr>
+          <p:cNvSpPr/>
+          <p:nvPr/>
+        </p:nvSpPr>
+        <p:spPr>
+          <a:xfrm>
+            <a:off x="6033120" y="2204864"/>
+            <a:ext cx="642942" cy="255458"/>
+          </a:xfrm>
+          <a:prstGeom prst="wedgeRectCallout">
+            <a:avLst>
+              <a:gd name="adj1" fmla="val -52283"/>
+              <a:gd name="adj2" fmla="val -213937"/>
+            </a:avLst>
+          </a:prstGeom>
+          <a:solidFill>
+            <a:srgbClr val="FF0000">
+              <a:alpha val="50000"/>
+            </a:srgbClr>
+          </a:solidFill>
+          <a:ln>
+            <a:noFill/>
+          </a:ln>
+        </p:spPr>
+        <p:style>
+          <a:lnRef idx="2">
+            <a:schemeClr val="accent1">
+              <a:shade val="50000"/>
+            </a:schemeClr>
+          </a:lnRef>
+          <a:fillRef idx="1">
+            <a:schemeClr val="accent1"/>
+          </a:fillRef>
+          <a:effectRef idx="0">
+            <a:schemeClr val="accent1"/>
+          </a:effectRef>
+          <a:fontRef idx="minor">
+            <a:schemeClr val="lt1"/>
+          </a:fontRef>
+        </p:style>
+        <p:txBody>
+          <a:bodyPr rtlCol="0" anchor="ctr"/>
+          <a:lstStyle/>
+          <a:p>
+            <a:pPr algn="ctr"/>
+            <a:r>
+              <a:rPr lang="en-US" altLang="ko-KR" sz="1400" b="1" dirty="0">
+                <a:solidFill>
+                  <a:schemeClr val="bg1"/>
+                </a:solidFill>
+              </a:rPr>
+              <a:t>8</a:t>
+            </a:r>
+            <a:r>
+              <a:rPr lang="ko-KR" altLang="en-US" sz="1400" b="1" dirty="0">
+                <a:solidFill>
+                  <a:schemeClr val="bg1"/>
+                </a:solidFill>
+              </a:rPr>
+              <a:t>월</a:t>
+            </a:r>
+          </a:p>
+        </p:txBody>
+      </p:sp>
+    </p:spTree>
+    <p:extLst>
+      <p:ext uri="{BB962C8B-B14F-4D97-AF65-F5344CB8AC3E}">
+        <p14:creationId xmlns:p14="http://schemas.microsoft.com/office/powerpoint/2010/main" val="2146958288"/>
+      </p:ext>
+    </p:extLst>
+  </p:cSld>
+  <p:clrMapOvr>
+    <a:masterClrMapping/>
+  </p:clrMapOvr>
+</p:sld>
+</file>
+
+<file path=ppt/slides/slide9.xml><?xml version="1.0" encoding="utf-8"?>
+<p:sld xmlns:a="http://schemas.openxmlformats.org/drawingml/2006/main" xmlns:r="http://schemas.openxmlformats.org/officeDocument/2006/relationships" xmlns:p="http://schemas.openxmlformats.org/presentationml/2006/main">
+  <p:cSld>
+    <p:spTree>
+      <p:nvGrpSpPr>
+        <p:cNvPr id="1" name=""/>
+        <p:cNvGrpSpPr/>
+        <p:nvPr/>
+      </p:nvGrpSpPr>
+      <p:grpSpPr>
+        <a:xfrm>
+          <a:off x="0" y="0"/>
+          <a:ext cx="0" cy="0"/>
+          <a:chOff x="0" y="0"/>
+          <a:chExt cx="0" cy="0"/>
+        </a:xfrm>
+      </p:grpSpPr>
       <p:grpSp>
         <p:nvGrpSpPr>
           <p:cNvPr id="40" name="그룹 39"/>
@@ -26327,550 +27354,7 @@
     </p:spTree>
     <p:extLst>
       <p:ext uri="{BB962C8B-B14F-4D97-AF65-F5344CB8AC3E}">
-        <p14:creationId xmlns:p14="http://schemas.microsoft.com/office/powerpoint/2010/main" val="2146958288"/>
-      </p:ext>
-    </p:extLst>
-  </p:cSld>
-  <p:clrMapOvr>
-    <a:masterClrMapping/>
-  </p:clrMapOvr>
-</p:sld>
-</file>
-
-<file path=ppt/slides/slide9.xml><?xml version="1.0" encoding="utf-8"?>
-<p:sld xmlns:a="http://schemas.openxmlformats.org/drawingml/2006/main" xmlns:r="http://schemas.openxmlformats.org/officeDocument/2006/relationships" xmlns:p="http://schemas.openxmlformats.org/presentationml/2006/main">
-  <p:cSld>
-    <p:spTree>
-      <p:nvGrpSpPr>
-        <p:cNvPr id="1" name=""/>
-        <p:cNvGrpSpPr/>
-        <p:nvPr/>
-      </p:nvGrpSpPr>
-      <p:grpSpPr>
-        <a:xfrm>
-          <a:off x="0" y="0"/>
-          <a:ext cx="0" cy="0"/>
-          <a:chOff x="0" y="0"/>
-          <a:chExt cx="0" cy="0"/>
-        </a:xfrm>
-      </p:grpSpPr>
-      <p:sp>
-        <p:nvSpPr>
-          <p:cNvPr id="9" name="평행 사변형 8"/>
-          <p:cNvSpPr/>
-          <p:nvPr/>
-        </p:nvSpPr>
-        <p:spPr>
-          <a:xfrm flipH="1">
-            <a:off x="595282" y="785794"/>
-            <a:ext cx="2214578" cy="357190"/>
-          </a:xfrm>
-          <a:prstGeom prst="parallelogram">
-            <a:avLst/>
-          </a:prstGeom>
-          <a:solidFill>
-            <a:schemeClr val="accent3">
-              <a:lumMod val="75000"/>
-            </a:schemeClr>
-          </a:solidFill>
-          <a:ln>
-            <a:noFill/>
-          </a:ln>
-        </p:spPr>
-        <p:style>
-          <a:lnRef idx="2">
-            <a:schemeClr val="accent1">
-              <a:shade val="50000"/>
-            </a:schemeClr>
-          </a:lnRef>
-          <a:fillRef idx="1">
-            <a:schemeClr val="accent1"/>
-          </a:fillRef>
-          <a:effectRef idx="0">
-            <a:schemeClr val="accent1"/>
-          </a:effectRef>
-          <a:fontRef idx="minor">
-            <a:schemeClr val="lt1"/>
-          </a:fontRef>
-        </p:style>
-        <p:txBody>
-          <a:bodyPr rtlCol="0" anchor="ctr"/>
-          <a:lstStyle/>
-          <a:p>
-            <a:pPr algn="ctr"/>
-            <a:r>
-              <a:rPr lang="ko-KR" altLang="en-US" sz="1600" b="1" dirty="0">
-                <a:latin typeface="나눔고딕" pitchFamily="50" charset="-127"/>
-                <a:ea typeface="나눔고딕" pitchFamily="50" charset="-127"/>
-              </a:rPr>
-              <a:t>독립</a:t>
-            </a:r>
-            <a:r>
-              <a:rPr lang="en-US" altLang="ko-KR" sz="1600" b="1" dirty="0">
-                <a:latin typeface="나눔고딕" pitchFamily="50" charset="-127"/>
-                <a:ea typeface="나눔고딕" pitchFamily="50" charset="-127"/>
-              </a:rPr>
-              <a:t> </a:t>
-            </a:r>
-            <a:r>
-              <a:rPr lang="ko-KR" altLang="en-US" sz="1600" b="1" dirty="0">
-                <a:latin typeface="나눔고딕" pitchFamily="50" charset="-127"/>
-                <a:ea typeface="나눔고딕" pitchFamily="50" charset="-127"/>
-              </a:rPr>
-              <a:t>변수 분석</a:t>
-            </a:r>
-          </a:p>
-        </p:txBody>
-      </p:sp>
-      <p:pic>
-        <p:nvPicPr>
-          <p:cNvPr id="12" name="그림 11">
-            <a:extLst>
-              <a:ext uri="{FF2B5EF4-FFF2-40B4-BE49-F238E27FC236}">
-                <a16:creationId xmlns:a16="http://schemas.microsoft.com/office/drawing/2014/main" id="{FC80B8A9-5388-11DA-E39B-B02CE994BC16}"/>
-              </a:ext>
-            </a:extLst>
-          </p:cNvPr>
-          <p:cNvPicPr>
-            <a:picLocks noChangeAspect="1"/>
-          </p:cNvPicPr>
-          <p:nvPr/>
-        </p:nvPicPr>
-        <p:blipFill>
-          <a:blip r:embed="rId2"/>
-          <a:stretch>
-            <a:fillRect/>
-          </a:stretch>
-        </p:blipFill>
-        <p:spPr>
-          <a:xfrm>
-            <a:off x="578375" y="1317173"/>
-            <a:ext cx="8660905" cy="4969347"/>
-          </a:xfrm>
-          <a:prstGeom prst="rect">
-            <a:avLst/>
-          </a:prstGeom>
-        </p:spPr>
-      </p:pic>
-      <p:sp>
-        <p:nvSpPr>
-          <p:cNvPr id="15" name="직사각형 14">
-            <a:extLst>
-              <a:ext uri="{FF2B5EF4-FFF2-40B4-BE49-F238E27FC236}">
-                <a16:creationId xmlns:a16="http://schemas.microsoft.com/office/drawing/2014/main" id="{58E59306-8475-69F8-3FF4-B62D3AFC52EC}"/>
-              </a:ext>
-            </a:extLst>
-          </p:cNvPr>
-          <p:cNvSpPr/>
-          <p:nvPr/>
-        </p:nvSpPr>
-        <p:spPr>
-          <a:xfrm>
-            <a:off x="3264343" y="2894009"/>
-            <a:ext cx="1632700" cy="900000"/>
-          </a:xfrm>
-          <a:prstGeom prst="rect">
-            <a:avLst/>
-          </a:prstGeom>
-          <a:noFill/>
-          <a:ln w="28575" cap="flat" cmpd="sng" algn="ctr">
-            <a:solidFill>
-              <a:srgbClr val="FF0000"/>
-            </a:solidFill>
-            <a:prstDash val="solid"/>
-            <a:round/>
-            <a:headEnd type="none" w="med" len="med"/>
-            <a:tailEnd type="none" w="med" len="med"/>
-          </a:ln>
-        </p:spPr>
-        <p:style>
-          <a:lnRef idx="0">
-            <a:scrgbClr r="0" g="0" b="0"/>
-          </a:lnRef>
-          <a:fillRef idx="0">
-            <a:scrgbClr r="0" g="0" b="0"/>
-          </a:fillRef>
-          <a:effectRef idx="0">
-            <a:scrgbClr r="0" g="0" b="0"/>
-          </a:effectRef>
-          <a:fontRef idx="minor">
-            <a:schemeClr val="accent2"/>
-          </a:fontRef>
-        </p:style>
-        <p:txBody>
-          <a:bodyPr rtlCol="0" anchor="ctr"/>
-          <a:lstStyle/>
-          <a:p>
-            <a:pPr marL="0" marR="0" lvl="0" indent="0" algn="ctr" defTabSz="914400" rtl="0" eaLnBrk="1" fontAlgn="auto" latinLnBrk="1" hangingPunct="1">
-              <a:lnSpc>
-                <a:spcPct val="100000"/>
-              </a:lnSpc>
-              <a:spcBef>
-                <a:spcPts val="0"/>
-              </a:spcBef>
-              <a:spcAft>
-                <a:spcPts val="0"/>
-              </a:spcAft>
-              <a:buClrTx/>
-              <a:buSzTx/>
-              <a:buFontTx/>
-              <a:buNone/>
-              <a:tabLst/>
-              <a:defRPr/>
-            </a:pPr>
-            <a:endParaRPr kumimoji="0" lang="ko-KR" altLang="en-US" sz="1800" b="0" i="0" u="none" strike="noStrike" kern="1200" cap="none" spc="0" normalizeH="0" baseline="0" noProof="0">
-              <a:ln>
-                <a:noFill/>
-              </a:ln>
-              <a:solidFill>
-                <a:srgbClr val="C0504D"/>
-              </a:solidFill>
-              <a:effectLst/>
-              <a:uLnTx/>
-              <a:uFillTx/>
-              <a:latin typeface="나눔고딕" panose="020D0604000000000000" pitchFamily="50" charset="-127"/>
-              <a:ea typeface="나눔고딕" panose="020D0604000000000000" pitchFamily="50" charset="-127"/>
-              <a:cs typeface="+mn-cs"/>
-            </a:endParaRPr>
-          </a:p>
-        </p:txBody>
-      </p:sp>
-      <p:sp>
-        <p:nvSpPr>
-          <p:cNvPr id="18" name="직사각형 17">
-            <a:extLst>
-              <a:ext uri="{FF2B5EF4-FFF2-40B4-BE49-F238E27FC236}">
-                <a16:creationId xmlns:a16="http://schemas.microsoft.com/office/drawing/2014/main" id="{2D0D34DF-F47C-4883-68E5-0C839543AEBA}"/>
-              </a:ext>
-            </a:extLst>
-          </p:cNvPr>
-          <p:cNvSpPr/>
-          <p:nvPr/>
-        </p:nvSpPr>
-        <p:spPr>
-          <a:xfrm>
-            <a:off x="8234474" y="5166143"/>
-            <a:ext cx="792088" cy="432048"/>
-          </a:xfrm>
-          <a:prstGeom prst="rect">
-            <a:avLst/>
-          </a:prstGeom>
-          <a:noFill/>
-          <a:ln w="28575" cap="flat" cmpd="sng" algn="ctr">
-            <a:solidFill>
-              <a:srgbClr val="FF0000"/>
-            </a:solidFill>
-            <a:prstDash val="solid"/>
-            <a:round/>
-            <a:headEnd type="none" w="med" len="med"/>
-            <a:tailEnd type="none" w="med" len="med"/>
-          </a:ln>
-        </p:spPr>
-        <p:style>
-          <a:lnRef idx="0">
-            <a:scrgbClr r="0" g="0" b="0"/>
-          </a:lnRef>
-          <a:fillRef idx="0">
-            <a:scrgbClr r="0" g="0" b="0"/>
-          </a:fillRef>
-          <a:effectRef idx="0">
-            <a:scrgbClr r="0" g="0" b="0"/>
-          </a:effectRef>
-          <a:fontRef idx="minor">
-            <a:schemeClr val="accent2"/>
-          </a:fontRef>
-        </p:style>
-        <p:txBody>
-          <a:bodyPr rtlCol="0" anchor="ctr"/>
-          <a:lstStyle/>
-          <a:p>
-            <a:pPr marL="0" marR="0" lvl="0" indent="0" algn="ctr" defTabSz="914400" rtl="0" eaLnBrk="1" fontAlgn="auto" latinLnBrk="1" hangingPunct="1">
-              <a:lnSpc>
-                <a:spcPct val="100000"/>
-              </a:lnSpc>
-              <a:spcBef>
-                <a:spcPts val="0"/>
-              </a:spcBef>
-              <a:spcAft>
-                <a:spcPts val="0"/>
-              </a:spcAft>
-              <a:buClrTx/>
-              <a:buSzTx/>
-              <a:buFontTx/>
-              <a:buNone/>
-              <a:tabLst/>
-              <a:defRPr/>
-            </a:pPr>
-            <a:endParaRPr kumimoji="0" lang="ko-KR" altLang="en-US" sz="1800" b="0" i="0" u="none" strike="noStrike" kern="1200" cap="none" spc="0" normalizeH="0" baseline="0" noProof="0">
-              <a:ln>
-                <a:noFill/>
-              </a:ln>
-              <a:solidFill>
-                <a:srgbClr val="C0504D"/>
-              </a:solidFill>
-              <a:effectLst/>
-              <a:uLnTx/>
-              <a:uFillTx/>
-              <a:latin typeface="나눔고딕" panose="020D0604000000000000" pitchFamily="50" charset="-127"/>
-              <a:ea typeface="나눔고딕" panose="020D0604000000000000" pitchFamily="50" charset="-127"/>
-              <a:cs typeface="+mn-cs"/>
-            </a:endParaRPr>
-          </a:p>
-        </p:txBody>
-      </p:sp>
-      <p:sp>
-        <p:nvSpPr>
-          <p:cNvPr id="19" name="직사각형 18">
-            <a:extLst>
-              <a:ext uri="{FF2B5EF4-FFF2-40B4-BE49-F238E27FC236}">
-                <a16:creationId xmlns:a16="http://schemas.microsoft.com/office/drawing/2014/main" id="{A79917C8-8737-38F7-F1FD-0B9DC14073DA}"/>
-              </a:ext>
-            </a:extLst>
-          </p:cNvPr>
-          <p:cNvSpPr/>
-          <p:nvPr/>
-        </p:nvSpPr>
-        <p:spPr>
-          <a:xfrm>
-            <a:off x="7395778" y="5616994"/>
-            <a:ext cx="792088" cy="432048"/>
-          </a:xfrm>
-          <a:prstGeom prst="rect">
-            <a:avLst/>
-          </a:prstGeom>
-          <a:noFill/>
-          <a:ln w="28575" cap="flat" cmpd="sng" algn="ctr">
-            <a:solidFill>
-              <a:srgbClr val="FF0000"/>
-            </a:solidFill>
-            <a:prstDash val="solid"/>
-            <a:round/>
-            <a:headEnd type="none" w="med" len="med"/>
-            <a:tailEnd type="none" w="med" len="med"/>
-          </a:ln>
-        </p:spPr>
-        <p:style>
-          <a:lnRef idx="0">
-            <a:scrgbClr r="0" g="0" b="0"/>
-          </a:lnRef>
-          <a:fillRef idx="0">
-            <a:scrgbClr r="0" g="0" b="0"/>
-          </a:fillRef>
-          <a:effectRef idx="0">
-            <a:scrgbClr r="0" g="0" b="0"/>
-          </a:effectRef>
-          <a:fontRef idx="minor">
-            <a:schemeClr val="accent2"/>
-          </a:fontRef>
-        </p:style>
-        <p:txBody>
-          <a:bodyPr rtlCol="0" anchor="ctr"/>
-          <a:lstStyle/>
-          <a:p>
-            <a:pPr marL="0" marR="0" lvl="0" indent="0" algn="ctr" defTabSz="914400" rtl="0" eaLnBrk="1" fontAlgn="auto" latinLnBrk="1" hangingPunct="1">
-              <a:lnSpc>
-                <a:spcPct val="100000"/>
-              </a:lnSpc>
-              <a:spcBef>
-                <a:spcPts val="0"/>
-              </a:spcBef>
-              <a:spcAft>
-                <a:spcPts val="0"/>
-              </a:spcAft>
-              <a:buClrTx/>
-              <a:buSzTx/>
-              <a:buFontTx/>
-              <a:buNone/>
-              <a:tabLst/>
-              <a:defRPr/>
-            </a:pPr>
-            <a:endParaRPr kumimoji="0" lang="ko-KR" altLang="en-US" sz="1800" b="0" i="0" u="none" strike="noStrike" kern="1200" cap="none" spc="0" normalizeH="0" baseline="0" noProof="0">
-              <a:ln>
-                <a:noFill/>
-              </a:ln>
-              <a:solidFill>
-                <a:srgbClr val="C0504D"/>
-              </a:solidFill>
-              <a:effectLst/>
-              <a:uLnTx/>
-              <a:uFillTx/>
-              <a:latin typeface="나눔고딕" panose="020D0604000000000000" pitchFamily="50" charset="-127"/>
-              <a:ea typeface="나눔고딕" panose="020D0604000000000000" pitchFamily="50" charset="-127"/>
-              <a:cs typeface="+mn-cs"/>
-            </a:endParaRPr>
-          </a:p>
-        </p:txBody>
-      </p:sp>
-      <p:sp>
-        <p:nvSpPr>
-          <p:cNvPr id="20" name="직사각형 19">
-            <a:extLst>
-              <a:ext uri="{FF2B5EF4-FFF2-40B4-BE49-F238E27FC236}">
-                <a16:creationId xmlns:a16="http://schemas.microsoft.com/office/drawing/2014/main" id="{F9D6DFF1-561D-6338-9883-B37B1E31E21E}"/>
-              </a:ext>
-            </a:extLst>
-          </p:cNvPr>
-          <p:cNvSpPr/>
-          <p:nvPr/>
-        </p:nvSpPr>
-        <p:spPr>
-          <a:xfrm>
-            <a:off x="793398" y="2909337"/>
-            <a:ext cx="809990" cy="855552"/>
-          </a:xfrm>
-          <a:prstGeom prst="rect">
-            <a:avLst/>
-          </a:prstGeom>
-          <a:noFill/>
-          <a:ln w="28575" cap="flat" cmpd="sng" algn="ctr">
-            <a:solidFill>
-              <a:srgbClr val="FF0000"/>
-            </a:solidFill>
-            <a:prstDash val="solid"/>
-            <a:round/>
-            <a:headEnd type="none" w="med" len="med"/>
-            <a:tailEnd type="none" w="med" len="med"/>
-          </a:ln>
-        </p:spPr>
-        <p:style>
-          <a:lnRef idx="0">
-            <a:scrgbClr r="0" g="0" b="0"/>
-          </a:lnRef>
-          <a:fillRef idx="0">
-            <a:scrgbClr r="0" g="0" b="0"/>
-          </a:fillRef>
-          <a:effectRef idx="0">
-            <a:scrgbClr r="0" g="0" b="0"/>
-          </a:effectRef>
-          <a:fontRef idx="minor">
-            <a:schemeClr val="accent2"/>
-          </a:fontRef>
-        </p:style>
-        <p:txBody>
-          <a:bodyPr rtlCol="0" anchor="ctr"/>
-          <a:lstStyle/>
-          <a:p>
-            <a:pPr marL="0" marR="0" lvl="0" indent="0" algn="ctr" defTabSz="914400" rtl="0" eaLnBrk="1" fontAlgn="auto" latinLnBrk="1" hangingPunct="1">
-              <a:lnSpc>
-                <a:spcPct val="100000"/>
-              </a:lnSpc>
-              <a:spcBef>
-                <a:spcPts val="0"/>
-              </a:spcBef>
-              <a:spcAft>
-                <a:spcPts val="0"/>
-              </a:spcAft>
-              <a:buClrTx/>
-              <a:buSzTx/>
-              <a:buFontTx/>
-              <a:buNone/>
-              <a:tabLst/>
-              <a:defRPr/>
-            </a:pPr>
-            <a:endParaRPr kumimoji="0" lang="ko-KR" altLang="en-US" sz="1800" b="0" i="0" u="none" strike="noStrike" kern="1200" cap="none" spc="0" normalizeH="0" baseline="0" noProof="0">
-              <a:ln>
-                <a:noFill/>
-              </a:ln>
-              <a:solidFill>
-                <a:srgbClr val="C0504D"/>
-              </a:solidFill>
-              <a:effectLst/>
-              <a:uLnTx/>
-              <a:uFillTx/>
-              <a:latin typeface="나눔고딕" panose="020D0604000000000000" pitchFamily="50" charset="-127"/>
-              <a:ea typeface="나눔고딕" panose="020D0604000000000000" pitchFamily="50" charset="-127"/>
-              <a:cs typeface="+mn-cs"/>
-            </a:endParaRPr>
-          </a:p>
-        </p:txBody>
-      </p:sp>
-      <p:sp>
-        <p:nvSpPr>
-          <p:cNvPr id="21" name="직사각형 20">
-            <a:extLst>
-              <a:ext uri="{FF2B5EF4-FFF2-40B4-BE49-F238E27FC236}">
-                <a16:creationId xmlns:a16="http://schemas.microsoft.com/office/drawing/2014/main" id="{72E459A7-B863-802D-6800-CB27664171C0}"/>
-              </a:ext>
-            </a:extLst>
-          </p:cNvPr>
-          <p:cNvSpPr/>
-          <p:nvPr/>
-        </p:nvSpPr>
-        <p:spPr>
-          <a:xfrm>
-            <a:off x="3270703" y="1547029"/>
-            <a:ext cx="1619990" cy="431712"/>
-          </a:xfrm>
-          <a:prstGeom prst="rect">
-            <a:avLst/>
-          </a:prstGeom>
-          <a:noFill/>
-          <a:ln w="28575" cap="flat" cmpd="sng" algn="ctr">
-            <a:solidFill>
-              <a:srgbClr val="FF0000"/>
-            </a:solidFill>
-            <a:prstDash val="solid"/>
-            <a:round/>
-            <a:headEnd type="none" w="med" len="med"/>
-            <a:tailEnd type="none" w="med" len="med"/>
-          </a:ln>
-        </p:spPr>
-        <p:style>
-          <a:lnRef idx="0">
-            <a:scrgbClr r="0" g="0" b="0"/>
-          </a:lnRef>
-          <a:fillRef idx="0">
-            <a:scrgbClr r="0" g="0" b="0"/>
-          </a:fillRef>
-          <a:effectRef idx="0">
-            <a:scrgbClr r="0" g="0" b="0"/>
-          </a:effectRef>
-          <a:fontRef idx="minor">
-            <a:schemeClr val="accent2"/>
-          </a:fontRef>
-        </p:style>
-        <p:txBody>
-          <a:bodyPr rtlCol="0" anchor="ctr"/>
-          <a:lstStyle/>
-          <a:p>
-            <a:pPr marL="0" marR="0" lvl="0" indent="0" algn="ctr" defTabSz="914400" rtl="0" eaLnBrk="1" fontAlgn="auto" latinLnBrk="1" hangingPunct="1">
-              <a:lnSpc>
-                <a:spcPct val="100000"/>
-              </a:lnSpc>
-              <a:spcBef>
-                <a:spcPts val="0"/>
-              </a:spcBef>
-              <a:spcAft>
-                <a:spcPts val="0"/>
-              </a:spcAft>
-              <a:buClrTx/>
-              <a:buSzTx/>
-              <a:buFontTx/>
-              <a:buNone/>
-              <a:tabLst/>
-              <a:defRPr/>
-            </a:pPr>
-            <a:endParaRPr kumimoji="0" lang="ko-KR" altLang="en-US" sz="1800" b="0" i="0" u="none" strike="noStrike" kern="1200" cap="none" spc="0" normalizeH="0" baseline="0" noProof="0">
-              <a:ln>
-                <a:noFill/>
-              </a:ln>
-              <a:solidFill>
-                <a:srgbClr val="C0504D"/>
-              </a:solidFill>
-              <a:effectLst/>
-              <a:uLnTx/>
-              <a:uFillTx/>
-              <a:latin typeface="나눔고딕" panose="020D0604000000000000" pitchFamily="50" charset="-127"/>
-              <a:ea typeface="나눔고딕" panose="020D0604000000000000" pitchFamily="50" charset="-127"/>
-              <a:cs typeface="+mn-cs"/>
-            </a:endParaRPr>
-          </a:p>
-        </p:txBody>
-      </p:sp>
-    </p:spTree>
-    <p:extLst>
-      <p:ext uri="{BB962C8B-B14F-4D97-AF65-F5344CB8AC3E}">
-        <p14:creationId xmlns:p14="http://schemas.microsoft.com/office/powerpoint/2010/main" val="530032864"/>
+        <p14:creationId xmlns:p14="http://schemas.microsoft.com/office/powerpoint/2010/main" val="1352370073"/>
       </p:ext>
     </p:extLst>
   </p:cSld>
